--- a/Documentazione/Presentazione Ingegneria/Progetto Ingegneria del Software 2017.pptx
+++ b/Documentazione/Presentazione Ingegneria/Progetto Ingegneria del Software 2017.pptx
@@ -5,7 +5,7 @@
     <p:sldMasterId id="2147483696" r:id="rId1"/>
   </p:sldMasterIdLst>
   <p:notesMasterIdLst>
-    <p:notesMasterId r:id="rId21"/>
+    <p:notesMasterId r:id="rId24"/>
   </p:notesMasterIdLst>
   <p:sldIdLst>
     <p:sldId id="256" r:id="rId2"/>
@@ -18,15 +18,18 @@
     <p:sldId id="272" r:id="rId9"/>
     <p:sldId id="273" r:id="rId10"/>
     <p:sldId id="271" r:id="rId11"/>
-    <p:sldId id="275" r:id="rId12"/>
-    <p:sldId id="276" r:id="rId13"/>
-    <p:sldId id="274" r:id="rId14"/>
-    <p:sldId id="261" r:id="rId15"/>
-    <p:sldId id="263" r:id="rId16"/>
-    <p:sldId id="264" r:id="rId17"/>
-    <p:sldId id="265" r:id="rId18"/>
-    <p:sldId id="266" r:id="rId19"/>
-    <p:sldId id="267" r:id="rId20"/>
+    <p:sldId id="276" r:id="rId12"/>
+    <p:sldId id="274" r:id="rId13"/>
+    <p:sldId id="277" r:id="rId14"/>
+    <p:sldId id="278" r:id="rId15"/>
+    <p:sldId id="279" r:id="rId16"/>
+    <p:sldId id="280" r:id="rId17"/>
+    <p:sldId id="261" r:id="rId18"/>
+    <p:sldId id="263" r:id="rId19"/>
+    <p:sldId id="264" r:id="rId20"/>
+    <p:sldId id="265" r:id="rId21"/>
+    <p:sldId id="266" r:id="rId22"/>
+    <p:sldId id="267" r:id="rId23"/>
   </p:sldIdLst>
   <p:sldSz cx="12192000" cy="6858000"/>
   <p:notesSz cx="6858000" cy="9144000"/>
@@ -140,9 +143,12 @@
             <p14:sldId id="272"/>
             <p14:sldId id="273"/>
             <p14:sldId id="271"/>
-            <p14:sldId id="275"/>
             <p14:sldId id="276"/>
             <p14:sldId id="274"/>
+            <p14:sldId id="277"/>
+            <p14:sldId id="278"/>
+            <p14:sldId id="279"/>
+            <p14:sldId id="280"/>
             <p14:sldId id="261"/>
             <p14:sldId id="263"/>
             <p14:sldId id="264"/>
@@ -158,6 +164,46 @@
     </p:ext>
   </p:extLst>
 </p:presentation>
+</file>
+
+<file path=ppt/commentAuthors.xml><?xml version="1.0" encoding="utf-8"?>
+<p:cmAuthorLst xmlns:a="http://schemas.openxmlformats.org/drawingml/2006/main" xmlns:r="http://schemas.openxmlformats.org/officeDocument/2006/relationships" xmlns:p="http://schemas.openxmlformats.org/presentationml/2006/main">
+  <p:cmAuthor id="1" name="Tommaso Pirozzi" initials="TP" lastIdx="3" clrIdx="0">
+    <p:extLst>
+      <p:ext uri="{19B8F6BF-5375-455C-9EA6-DF929625EA0E}">
+        <p15:presenceInfo xmlns:p15="http://schemas.microsoft.com/office/powerpoint/2012/main" userId="91f9be3a75f79c8f" providerId="Windows Live"/>
+      </p:ext>
+    </p:extLst>
+  </p:cmAuthor>
+</p:cmAuthorLst>
+</file>
+
+<file path=ppt/comments/comment1.xml><?xml version="1.0" encoding="utf-8"?>
+<p:cmLst xmlns:a="http://schemas.openxmlformats.org/drawingml/2006/main" xmlns:r="http://schemas.openxmlformats.org/officeDocument/2006/relationships" xmlns:p="http://schemas.openxmlformats.org/presentationml/2006/main">
+  <p:cm authorId="1" dt="2018-09-09T10:49:34.389" idx="2">
+    <p:pos x="5123" y="2451"/>
+    <p:text>Il boundary event view è inteso come contenitore dei vari boundary presenti sulla form.</p:text>
+    <p:extLst>
+      <p:ext uri="{C676402C-5697-4E1C-873F-D02D1690AC5C}">
+        <p15:threadingInfo xmlns:p15="http://schemas.microsoft.com/office/powerpoint/2012/main" timeZoneBias="-120"/>
+      </p:ext>
+    </p:extLst>
+  </p:cm>
+</p:cmLst>
+</file>
+
+<file path=ppt/comments/comment2.xml><?xml version="1.0" encoding="utf-8"?>
+<p:cmLst xmlns:a="http://schemas.openxmlformats.org/drawingml/2006/main" xmlns:r="http://schemas.openxmlformats.org/officeDocument/2006/relationships" xmlns:p="http://schemas.openxmlformats.org/presentationml/2006/main">
+  <p:cm authorId="1" dt="2018-09-09T12:03:52.589" idx="3">
+    <p:pos x="3259" y="334"/>
+    <p:text>L'oggetto view mostra solo la grafica degli elementi sull'interfaccia ed è un contenitore di boundary. Nonostante sia inutile ,è stato inserito per dare una visione più chiara per la fase di implementazione.</p:text>
+    <p:extLst>
+      <p:ext uri="{C676402C-5697-4E1C-873F-D02D1690AC5C}">
+        <p15:threadingInfo xmlns:p15="http://schemas.microsoft.com/office/powerpoint/2012/main" timeZoneBias="-120"/>
+      </p:ext>
+    </p:extLst>
+  </p:cm>
+</p:cmLst>
 </file>
 
 <file path=ppt/notesMasters/notesMaster1.xml><?xml version="1.0" encoding="utf-8"?>
@@ -242,7 +288,7 @@
           <a:p>
             <a:fld id="{83CA6BDB-5660-49B8-908A-AE07D5424F33}" type="datetimeFigureOut">
               <a:rPr lang="it-IT" smtClean="0"/>
-              <a:t>01/09/2018</a:t>
+              <a:t>09/09/2018</a:t>
             </a:fld>
             <a:endParaRPr lang="it-IT"/>
           </a:p>
@@ -662,7 +708,7 @@
           <a:p>
             <a:fld id="{BBDE331E-2FBD-438F-9E49-BB62E8DAA7B4}" type="slidenum">
               <a:rPr lang="it-IT" smtClean="0"/>
-              <a:t>18</a:t>
+              <a:t>21</a:t>
             </a:fld>
             <a:endParaRPr lang="it-IT"/>
           </a:p>
@@ -1266,7 +1312,7 @@
     </p:spTree>
     <p:extLst>
       <p:ext uri="{BB962C8B-B14F-4D97-AF65-F5344CB8AC3E}">
-        <p14:creationId xmlns:p14="http://schemas.microsoft.com/office/powerpoint/2010/main" val="2424251875"/>
+        <p14:creationId xmlns:p14="http://schemas.microsoft.com/office/powerpoint/2010/main" val="3653217933"/>
       </p:ext>
     </p:extLst>
   </p:cSld>
@@ -1350,7 +1396,7 @@
     </p:spTree>
     <p:extLst>
       <p:ext uri="{BB962C8B-B14F-4D97-AF65-F5344CB8AC3E}">
-        <p14:creationId xmlns:p14="http://schemas.microsoft.com/office/powerpoint/2010/main" val="3653217933"/>
+        <p14:creationId xmlns:p14="http://schemas.microsoft.com/office/powerpoint/2010/main" val="3576164546"/>
       </p:ext>
     </p:extLst>
   </p:cSld>
@@ -1404,7 +1450,18 @@
           <a:bodyPr/>
           <a:lstStyle/>
           <a:p>
-            <a:endParaRPr lang="it-IT" dirty="0"/>
+            <a:r>
+              <a:rPr lang="it-IT" dirty="0"/>
+              <a:t>Descrivere </a:t>
+            </a:r>
+            <a:r>
+              <a:rPr lang="it-IT" dirty="0" err="1"/>
+              <a:t>factory</a:t>
+            </a:r>
+            <a:r>
+              <a:rPr lang="it-IT" dirty="0"/>
+              <a:t>.</a:t>
+            </a:r>
           </a:p>
         </p:txBody>
       </p:sp>
@@ -1434,7 +1491,7 @@
     </p:spTree>
     <p:extLst>
       <p:ext uri="{BB962C8B-B14F-4D97-AF65-F5344CB8AC3E}">
-        <p14:creationId xmlns:p14="http://schemas.microsoft.com/office/powerpoint/2010/main" val="3576164546"/>
+        <p14:creationId xmlns:p14="http://schemas.microsoft.com/office/powerpoint/2010/main" val="125570796"/>
       </p:ext>
     </p:extLst>
   </p:cSld>
@@ -1912,7 +1969,7 @@
           <a:p>
             <a:fld id="{BBDE331E-2FBD-438F-9E49-BB62E8DAA7B4}" type="slidenum">
               <a:rPr lang="it-IT" smtClean="0"/>
-              <a:t>14</a:t>
+              <a:t>17</a:t>
             </a:fld>
             <a:endParaRPr lang="it-IT"/>
           </a:p>
@@ -1988,7 +2045,7 @@
           <a:noFill/>
           <a:extLst>
             <a:ext uri="{909E8E84-426E-40dd-AFC4-6F175D3DCCD1}">
-              <a14:hiddenFill xmlns:a14="http://schemas.microsoft.com/office/drawing/2010/main" xmlns="">
+              <a14:hiddenFill xmlns="" xmlns:a14="http://schemas.microsoft.com/office/drawing/2010/main">
                 <a:solidFill>
                   <a:srgbClr val="FFFFFF"/>
                 </a:solidFill>
@@ -2047,7 +2104,7 @@
             </a:ln>
             <a:extLst>
               <a:ext uri="{91240B29-F687-4f45-9708-019B960494DF}">
-                <a14:hiddenLine xmlns:a14="http://schemas.microsoft.com/office/drawing/2010/main" xmlns="" w="9525">
+                <a14:hiddenLine xmlns="" xmlns:a14="http://schemas.microsoft.com/office/drawing/2010/main" w="9525">
                   <a:solidFill>
                     <a:srgbClr val="000000"/>
                   </a:solidFill>
@@ -2137,7 +2194,7 @@
             </a:ln>
             <a:extLst>
               <a:ext uri="{91240B29-F687-4f45-9708-019B960494DF}">
-                <a14:hiddenLine xmlns:a14="http://schemas.microsoft.com/office/drawing/2010/main" xmlns="" w="9525">
+                <a14:hiddenLine xmlns="" xmlns:a14="http://schemas.microsoft.com/office/drawing/2010/main" w="9525">
                   <a:solidFill>
                     <a:srgbClr val="000000"/>
                   </a:solidFill>
@@ -2227,7 +2284,7 @@
             </a:ln>
             <a:extLst>
               <a:ext uri="{91240B29-F687-4f45-9708-019B960494DF}">
-                <a14:hiddenLine xmlns:a14="http://schemas.microsoft.com/office/drawing/2010/main" xmlns="" w="9525">
+                <a14:hiddenLine xmlns="" xmlns:a14="http://schemas.microsoft.com/office/drawing/2010/main" w="9525">
                   <a:solidFill>
                     <a:srgbClr val="000000"/>
                   </a:solidFill>
@@ -2261,7 +2318,7 @@
             </a:ln>
             <a:extLst>
               <a:ext uri="{91240B29-F687-4f45-9708-019B960494DF}">
-                <a14:hiddenLine xmlns:a14="http://schemas.microsoft.com/office/drawing/2010/main" xmlns="" w="9525">
+                <a14:hiddenLine xmlns="" xmlns:a14="http://schemas.microsoft.com/office/drawing/2010/main" w="9525">
                   <a:solidFill>
                     <a:srgbClr val="000000"/>
                   </a:solidFill>
@@ -2351,7 +2408,7 @@
             </a:ln>
             <a:extLst>
               <a:ext uri="{91240B29-F687-4f45-9708-019B960494DF}">
-                <a14:hiddenLine xmlns:a14="http://schemas.microsoft.com/office/drawing/2010/main" xmlns="" w="9525">
+                <a14:hiddenLine xmlns="" xmlns:a14="http://schemas.microsoft.com/office/drawing/2010/main" w="9525">
                   <a:solidFill>
                     <a:srgbClr val="000000"/>
                   </a:solidFill>
@@ -2413,7 +2470,7 @@
             </a:ln>
             <a:extLst>
               <a:ext uri="{91240B29-F687-4f45-9708-019B960494DF}">
-                <a14:hiddenLine xmlns:a14="http://schemas.microsoft.com/office/drawing/2010/main" xmlns="" w="9525">
+                <a14:hiddenLine xmlns="" xmlns:a14="http://schemas.microsoft.com/office/drawing/2010/main" w="9525">
                   <a:solidFill>
                     <a:srgbClr val="000000"/>
                   </a:solidFill>
@@ -2475,7 +2532,7 @@
             </a:ln>
             <a:extLst>
               <a:ext uri="{91240B29-F687-4f45-9708-019B960494DF}">
-                <a14:hiddenLine xmlns:a14="http://schemas.microsoft.com/office/drawing/2010/main" xmlns="" w="9525">
+                <a14:hiddenLine xmlns="" xmlns:a14="http://schemas.microsoft.com/office/drawing/2010/main" w="9525">
                   <a:solidFill>
                     <a:srgbClr val="000000"/>
                   </a:solidFill>
@@ -2565,7 +2622,7 @@
             </a:ln>
             <a:extLst>
               <a:ext uri="{91240B29-F687-4f45-9708-019B960494DF}">
-                <a14:hiddenLine xmlns:a14="http://schemas.microsoft.com/office/drawing/2010/main" xmlns="" w="9525">
+                <a14:hiddenLine xmlns="" xmlns:a14="http://schemas.microsoft.com/office/drawing/2010/main" w="9525">
                   <a:solidFill>
                     <a:srgbClr val="000000"/>
                   </a:solidFill>
@@ -2627,7 +2684,7 @@
             </a:ln>
             <a:extLst>
               <a:ext uri="{91240B29-F687-4f45-9708-019B960494DF}">
-                <a14:hiddenLine xmlns:a14="http://schemas.microsoft.com/office/drawing/2010/main" xmlns="" w="9525">
+                <a14:hiddenLine xmlns="" xmlns:a14="http://schemas.microsoft.com/office/drawing/2010/main" w="9525">
                   <a:solidFill>
                     <a:srgbClr val="000000"/>
                   </a:solidFill>
@@ -2689,7 +2746,7 @@
             </a:ln>
             <a:extLst>
               <a:ext uri="{91240B29-F687-4f45-9708-019B960494DF}">
-                <a14:hiddenLine xmlns:a14="http://schemas.microsoft.com/office/drawing/2010/main" xmlns="" w="9525">
+                <a14:hiddenLine xmlns="" xmlns:a14="http://schemas.microsoft.com/office/drawing/2010/main" w="9525">
                   <a:solidFill>
                     <a:srgbClr val="000000"/>
                   </a:solidFill>
@@ -2779,7 +2836,7 @@
             </a:ln>
             <a:extLst>
               <a:ext uri="{91240B29-F687-4f45-9708-019B960494DF}">
-                <a14:hiddenLine xmlns:a14="http://schemas.microsoft.com/office/drawing/2010/main" xmlns="" w="9525">
+                <a14:hiddenLine xmlns="" xmlns:a14="http://schemas.microsoft.com/office/drawing/2010/main" w="9525">
                   <a:solidFill>
                     <a:srgbClr val="000000"/>
                   </a:solidFill>
@@ -2869,7 +2926,7 @@
             </a:ln>
             <a:extLst>
               <a:ext uri="{91240B29-F687-4f45-9708-019B960494DF}">
-                <a14:hiddenLine xmlns:a14="http://schemas.microsoft.com/office/drawing/2010/main" xmlns="" w="9525">
+                <a14:hiddenLine xmlns="" xmlns:a14="http://schemas.microsoft.com/office/drawing/2010/main" w="9525">
                   <a:solidFill>
                     <a:srgbClr val="000000"/>
                   </a:solidFill>
@@ -2931,7 +2988,7 @@
             </a:ln>
             <a:extLst>
               <a:ext uri="{91240B29-F687-4f45-9708-019B960494DF}">
-                <a14:hiddenLine xmlns:a14="http://schemas.microsoft.com/office/drawing/2010/main" xmlns="" w="9525">
+                <a14:hiddenLine xmlns="" xmlns:a14="http://schemas.microsoft.com/office/drawing/2010/main" w="9525">
                   <a:solidFill>
                     <a:srgbClr val="000000"/>
                   </a:solidFill>
@@ -3041,7 +3098,7 @@
             </a:ln>
             <a:extLst>
               <a:ext uri="{91240B29-F687-4f45-9708-019B960494DF}">
-                <a14:hiddenLine xmlns:a14="http://schemas.microsoft.com/office/drawing/2010/main" xmlns="" w="9525">
+                <a14:hiddenLine xmlns="" xmlns:a14="http://schemas.microsoft.com/office/drawing/2010/main" w="9525">
                   <a:solidFill>
                     <a:srgbClr val="000000"/>
                   </a:solidFill>
@@ -3103,7 +3160,7 @@
             </a:ln>
             <a:extLst>
               <a:ext uri="{91240B29-F687-4f45-9708-019B960494DF}">
-                <a14:hiddenLine xmlns:a14="http://schemas.microsoft.com/office/drawing/2010/main" xmlns="" w="9525">
+                <a14:hiddenLine xmlns="" xmlns:a14="http://schemas.microsoft.com/office/drawing/2010/main" w="9525">
                   <a:solidFill>
                     <a:srgbClr val="000000"/>
                   </a:solidFill>
@@ -3193,7 +3250,7 @@
             </a:ln>
             <a:extLst>
               <a:ext uri="{91240B29-F687-4f45-9708-019B960494DF}">
-                <a14:hiddenLine xmlns:a14="http://schemas.microsoft.com/office/drawing/2010/main" xmlns="" w="9525">
+                <a14:hiddenLine xmlns="" xmlns:a14="http://schemas.microsoft.com/office/drawing/2010/main" w="9525">
                   <a:solidFill>
                     <a:srgbClr val="000000"/>
                   </a:solidFill>
@@ -3283,7 +3340,7 @@
             </a:ln>
             <a:extLst>
               <a:ext uri="{91240B29-F687-4f45-9708-019B960494DF}">
-                <a14:hiddenLine xmlns:a14="http://schemas.microsoft.com/office/drawing/2010/main" xmlns="" w="9525">
+                <a14:hiddenLine xmlns="" xmlns:a14="http://schemas.microsoft.com/office/drawing/2010/main" w="9525">
                   <a:solidFill>
                     <a:srgbClr val="000000"/>
                   </a:solidFill>
@@ -3345,7 +3402,7 @@
             </a:ln>
             <a:extLst>
               <a:ext uri="{91240B29-F687-4f45-9708-019B960494DF}">
-                <a14:hiddenLine xmlns:a14="http://schemas.microsoft.com/office/drawing/2010/main" xmlns="" w="9525">
+                <a14:hiddenLine xmlns="" xmlns:a14="http://schemas.microsoft.com/office/drawing/2010/main" w="9525">
                   <a:solidFill>
                     <a:srgbClr val="000000"/>
                   </a:solidFill>
@@ -3435,7 +3492,7 @@
             </a:ln>
             <a:extLst>
               <a:ext uri="{91240B29-F687-4f45-9708-019B960494DF}">
-                <a14:hiddenLine xmlns:a14="http://schemas.microsoft.com/office/drawing/2010/main" xmlns="" w="9525">
+                <a14:hiddenLine xmlns="" xmlns:a14="http://schemas.microsoft.com/office/drawing/2010/main" w="9525">
                   <a:solidFill>
                     <a:srgbClr val="000000"/>
                   </a:solidFill>
@@ -3525,7 +3582,7 @@
             </a:ln>
             <a:extLst>
               <a:ext uri="{91240B29-F687-4f45-9708-019B960494DF}">
-                <a14:hiddenLine xmlns:a14="http://schemas.microsoft.com/office/drawing/2010/main" xmlns="" w="9525">
+                <a14:hiddenLine xmlns="" xmlns:a14="http://schemas.microsoft.com/office/drawing/2010/main" w="9525">
                   <a:solidFill>
                     <a:srgbClr val="000000"/>
                   </a:solidFill>
@@ -3581,7 +3638,7 @@
             </a:ln>
             <a:extLst>
               <a:ext uri="{91240B29-F687-4f45-9708-019B960494DF}">
-                <a14:hiddenLine xmlns:a14="http://schemas.microsoft.com/office/drawing/2010/main" xmlns="" w="9525">
+                <a14:hiddenLine xmlns="" xmlns:a14="http://schemas.microsoft.com/office/drawing/2010/main" w="9525">
                   <a:solidFill>
                     <a:srgbClr val="000000"/>
                   </a:solidFill>
@@ -3671,7 +3728,7 @@
             </a:ln>
             <a:extLst>
               <a:ext uri="{91240B29-F687-4f45-9708-019B960494DF}">
-                <a14:hiddenLine xmlns:a14="http://schemas.microsoft.com/office/drawing/2010/main" xmlns="" w="9525">
+                <a14:hiddenLine xmlns="" xmlns:a14="http://schemas.microsoft.com/office/drawing/2010/main" w="9525">
                   <a:solidFill>
                     <a:srgbClr val="000000"/>
                   </a:solidFill>
@@ -3727,7 +3784,7 @@
             </a:ln>
             <a:extLst>
               <a:ext uri="{91240B29-F687-4f45-9708-019B960494DF}">
-                <a14:hiddenLine xmlns:a14="http://schemas.microsoft.com/office/drawing/2010/main" xmlns="" w="9525">
+                <a14:hiddenLine xmlns="" xmlns:a14="http://schemas.microsoft.com/office/drawing/2010/main" w="9525">
                   <a:solidFill>
                     <a:srgbClr val="000000"/>
                   </a:solidFill>
@@ -3817,7 +3874,7 @@
             </a:ln>
             <a:extLst>
               <a:ext uri="{91240B29-F687-4f45-9708-019B960494DF}">
-                <a14:hiddenLine xmlns:a14="http://schemas.microsoft.com/office/drawing/2010/main" xmlns="" w="9525">
+                <a14:hiddenLine xmlns="" xmlns:a14="http://schemas.microsoft.com/office/drawing/2010/main" w="9525">
                   <a:solidFill>
                     <a:srgbClr val="000000"/>
                   </a:solidFill>
@@ -3885,7 +3942,7 @@
             </a:ln>
             <a:extLst>
               <a:ext uri="{91240B29-F687-4f45-9708-019B960494DF}">
-                <a14:hiddenLine xmlns:a14="http://schemas.microsoft.com/office/drawing/2010/main" xmlns="" w="9525">
+                <a14:hiddenLine xmlns="" xmlns:a14="http://schemas.microsoft.com/office/drawing/2010/main" w="9525">
                   <a:solidFill>
                     <a:srgbClr val="000000"/>
                   </a:solidFill>
@@ -3975,7 +4032,7 @@
             </a:ln>
             <a:extLst>
               <a:ext uri="{91240B29-F687-4f45-9708-019B960494DF}">
-                <a14:hiddenLine xmlns:a14="http://schemas.microsoft.com/office/drawing/2010/main" xmlns="" w="9525">
+                <a14:hiddenLine xmlns="" xmlns:a14="http://schemas.microsoft.com/office/drawing/2010/main" w="9525">
                   <a:solidFill>
                     <a:srgbClr val="000000"/>
                   </a:solidFill>
@@ -4043,7 +4100,7 @@
             </a:ln>
             <a:extLst>
               <a:ext uri="{91240B29-F687-4f45-9708-019B960494DF}">
-                <a14:hiddenLine xmlns:a14="http://schemas.microsoft.com/office/drawing/2010/main" xmlns="" w="9525">
+                <a14:hiddenLine xmlns="" xmlns:a14="http://schemas.microsoft.com/office/drawing/2010/main" w="9525">
                   <a:solidFill>
                     <a:srgbClr val="000000"/>
                   </a:solidFill>
@@ -4133,7 +4190,7 @@
             </a:ln>
             <a:extLst>
               <a:ext uri="{91240B29-F687-4f45-9708-019B960494DF}">
-                <a14:hiddenLine xmlns:a14="http://schemas.microsoft.com/office/drawing/2010/main" xmlns="" w="9525">
+                <a14:hiddenLine xmlns="" xmlns:a14="http://schemas.microsoft.com/office/drawing/2010/main" w="9525">
                   <a:solidFill>
                     <a:srgbClr val="000000"/>
                   </a:solidFill>
@@ -4167,7 +4224,7 @@
             </a:ln>
             <a:extLst>
               <a:ext uri="{91240B29-F687-4f45-9708-019B960494DF}">
-                <a14:hiddenLine xmlns:a14="http://schemas.microsoft.com/office/drawing/2010/main" xmlns="" w="9525">
+                <a14:hiddenLine xmlns="" xmlns:a14="http://schemas.microsoft.com/office/drawing/2010/main" w="9525">
                   <a:solidFill>
                     <a:srgbClr val="000000"/>
                   </a:solidFill>
@@ -4257,7 +4314,7 @@
             </a:ln>
             <a:extLst>
               <a:ext uri="{91240B29-F687-4f45-9708-019B960494DF}">
-                <a14:hiddenLine xmlns:a14="http://schemas.microsoft.com/office/drawing/2010/main" xmlns="" w="9525">
+                <a14:hiddenLine xmlns="" xmlns:a14="http://schemas.microsoft.com/office/drawing/2010/main" w="9525">
                   <a:solidFill>
                     <a:srgbClr val="000000"/>
                   </a:solidFill>
@@ -4319,7 +4376,7 @@
             </a:ln>
             <a:extLst>
               <a:ext uri="{91240B29-F687-4f45-9708-019B960494DF}">
-                <a14:hiddenLine xmlns:a14="http://schemas.microsoft.com/office/drawing/2010/main" xmlns="" w="9525">
+                <a14:hiddenLine xmlns="" xmlns:a14="http://schemas.microsoft.com/office/drawing/2010/main" w="9525">
                   <a:solidFill>
                     <a:srgbClr val="000000"/>
                   </a:solidFill>
@@ -4381,7 +4438,7 @@
             </a:ln>
             <a:extLst>
               <a:ext uri="{91240B29-F687-4f45-9708-019B960494DF}">
-                <a14:hiddenLine xmlns:a14="http://schemas.microsoft.com/office/drawing/2010/main" xmlns="" w="9525">
+                <a14:hiddenLine xmlns="" xmlns:a14="http://schemas.microsoft.com/office/drawing/2010/main" w="9525">
                   <a:solidFill>
                     <a:srgbClr val="000000"/>
                   </a:solidFill>
@@ -4471,7 +4528,7 @@
             </a:ln>
             <a:extLst>
               <a:ext uri="{91240B29-F687-4f45-9708-019B960494DF}">
-                <a14:hiddenLine xmlns:a14="http://schemas.microsoft.com/office/drawing/2010/main" xmlns="" w="9525">
+                <a14:hiddenLine xmlns="" xmlns:a14="http://schemas.microsoft.com/office/drawing/2010/main" w="9525">
                   <a:solidFill>
                     <a:srgbClr val="000000"/>
                   </a:solidFill>
@@ -4539,7 +4596,7 @@
             </a:ln>
             <a:extLst>
               <a:ext uri="{91240B29-F687-4f45-9708-019B960494DF}">
-                <a14:hiddenLine xmlns:a14="http://schemas.microsoft.com/office/drawing/2010/main" xmlns="" w="9525">
+                <a14:hiddenLine xmlns="" xmlns:a14="http://schemas.microsoft.com/office/drawing/2010/main" w="9525">
                   <a:solidFill>
                     <a:srgbClr val="000000"/>
                   </a:solidFill>
@@ -4601,7 +4658,7 @@
             </a:ln>
             <a:extLst>
               <a:ext uri="{91240B29-F687-4f45-9708-019B960494DF}">
-                <a14:hiddenLine xmlns:a14="http://schemas.microsoft.com/office/drawing/2010/main" xmlns="" w="9525">
+                <a14:hiddenLine xmlns="" xmlns:a14="http://schemas.microsoft.com/office/drawing/2010/main" w="9525">
                   <a:solidFill>
                     <a:srgbClr val="000000"/>
                   </a:solidFill>
@@ -4691,7 +4748,7 @@
             </a:ln>
             <a:extLst>
               <a:ext uri="{91240B29-F687-4f45-9708-019B960494DF}">
-                <a14:hiddenLine xmlns:a14="http://schemas.microsoft.com/office/drawing/2010/main" xmlns="" w="9525">
+                <a14:hiddenLine xmlns="" xmlns:a14="http://schemas.microsoft.com/office/drawing/2010/main" w="9525">
                   <a:solidFill>
                     <a:srgbClr val="000000"/>
                   </a:solidFill>
@@ -4753,7 +4810,7 @@
             </a:ln>
             <a:extLst>
               <a:ext uri="{91240B29-F687-4f45-9708-019B960494DF}">
-                <a14:hiddenLine xmlns:a14="http://schemas.microsoft.com/office/drawing/2010/main" xmlns="" w="9525">
+                <a14:hiddenLine xmlns="" xmlns:a14="http://schemas.microsoft.com/office/drawing/2010/main" w="9525">
                   <a:solidFill>
                     <a:srgbClr val="000000"/>
                   </a:solidFill>
@@ -4843,7 +4900,7 @@
             </a:ln>
             <a:extLst>
               <a:ext uri="{91240B29-F687-4f45-9708-019B960494DF}">
-                <a14:hiddenLine xmlns:a14="http://schemas.microsoft.com/office/drawing/2010/main" xmlns="" w="9525">
+                <a14:hiddenLine xmlns="" xmlns:a14="http://schemas.microsoft.com/office/drawing/2010/main" w="9525">
                   <a:solidFill>
                     <a:srgbClr val="000000"/>
                   </a:solidFill>
@@ -4905,7 +4962,7 @@
             </a:ln>
             <a:extLst>
               <a:ext uri="{91240B29-F687-4f45-9708-019B960494DF}">
-                <a14:hiddenLine xmlns:a14="http://schemas.microsoft.com/office/drawing/2010/main" xmlns="" w="9525">
+                <a14:hiddenLine xmlns="" xmlns:a14="http://schemas.microsoft.com/office/drawing/2010/main" w="9525">
                   <a:solidFill>
                     <a:srgbClr val="000000"/>
                   </a:solidFill>
@@ -4995,7 +5052,7 @@
             </a:ln>
             <a:extLst>
               <a:ext uri="{91240B29-F687-4f45-9708-019B960494DF}">
-                <a14:hiddenLine xmlns:a14="http://schemas.microsoft.com/office/drawing/2010/main" xmlns="" w="9525">
+                <a14:hiddenLine xmlns="" xmlns:a14="http://schemas.microsoft.com/office/drawing/2010/main" w="9525">
                   <a:solidFill>
                     <a:srgbClr val="000000"/>
                   </a:solidFill>
@@ -5029,7 +5086,7 @@
             </a:ln>
             <a:extLst>
               <a:ext uri="{91240B29-F687-4f45-9708-019B960494DF}">
-                <a14:hiddenLine xmlns:a14="http://schemas.microsoft.com/office/drawing/2010/main" xmlns="" w="9525">
+                <a14:hiddenLine xmlns="" xmlns:a14="http://schemas.microsoft.com/office/drawing/2010/main" w="9525">
                   <a:solidFill>
                     <a:srgbClr val="000000"/>
                   </a:solidFill>
@@ -5094,7 +5151,7 @@
             </a:ln>
             <a:extLst>
               <a:ext uri="{91240B29-F687-4f45-9708-019B960494DF}">
-                <a14:hiddenLine xmlns:a14="http://schemas.microsoft.com/office/drawing/2010/main" xmlns="" w="9525">
+                <a14:hiddenLine xmlns="" xmlns:a14="http://schemas.microsoft.com/office/drawing/2010/main" w="9525">
                   <a:solidFill>
                     <a:srgbClr val="000000"/>
                   </a:solidFill>
@@ -5184,7 +5241,7 @@
             </a:ln>
             <a:extLst>
               <a:ext uri="{91240B29-F687-4f45-9708-019B960494DF}">
-                <a14:hiddenLine xmlns:a14="http://schemas.microsoft.com/office/drawing/2010/main" xmlns="" w="9525">
+                <a14:hiddenLine xmlns="" xmlns:a14="http://schemas.microsoft.com/office/drawing/2010/main" w="9525">
                   <a:solidFill>
                     <a:srgbClr val="000000"/>
                   </a:solidFill>
@@ -5246,7 +5303,7 @@
             </a:ln>
             <a:extLst>
               <a:ext uri="{91240B29-F687-4f45-9708-019B960494DF}">
-                <a14:hiddenLine xmlns:a14="http://schemas.microsoft.com/office/drawing/2010/main" xmlns="" w="9525">
+                <a14:hiddenLine xmlns="" xmlns:a14="http://schemas.microsoft.com/office/drawing/2010/main" w="9525">
                   <a:solidFill>
                     <a:srgbClr val="000000"/>
                   </a:solidFill>
@@ -5336,7 +5393,7 @@
             </a:ln>
             <a:extLst>
               <a:ext uri="{91240B29-F687-4f45-9708-019B960494DF}">
-                <a14:hiddenLine xmlns:a14="http://schemas.microsoft.com/office/drawing/2010/main" xmlns="" w="9525">
+                <a14:hiddenLine xmlns="" xmlns:a14="http://schemas.microsoft.com/office/drawing/2010/main" w="9525">
                   <a:solidFill>
                     <a:srgbClr val="000000"/>
                   </a:solidFill>
@@ -5426,7 +5483,7 @@
             </a:ln>
             <a:extLst>
               <a:ext uri="{91240B29-F687-4f45-9708-019B960494DF}">
-                <a14:hiddenLine xmlns:a14="http://schemas.microsoft.com/office/drawing/2010/main" xmlns="" w="9525">
+                <a14:hiddenLine xmlns="" xmlns:a14="http://schemas.microsoft.com/office/drawing/2010/main" w="9525">
                   <a:solidFill>
                     <a:srgbClr val="000000"/>
                   </a:solidFill>
@@ -5491,7 +5548,7 @@
             </a:ln>
             <a:extLst>
               <a:ext uri="{91240B29-F687-4f45-9708-019B960494DF}">
-                <a14:hiddenLine xmlns:a14="http://schemas.microsoft.com/office/drawing/2010/main" xmlns="" w="9525">
+                <a14:hiddenLine xmlns="" xmlns:a14="http://schemas.microsoft.com/office/drawing/2010/main" w="9525">
                   <a:solidFill>
                     <a:srgbClr val="000000"/>
                   </a:solidFill>
@@ -5553,7 +5610,7 @@
             </a:ln>
             <a:extLst>
               <a:ext uri="{91240B29-F687-4f45-9708-019B960494DF}">
-                <a14:hiddenLine xmlns:a14="http://schemas.microsoft.com/office/drawing/2010/main" xmlns="" w="9525">
+                <a14:hiddenLine xmlns="" xmlns:a14="http://schemas.microsoft.com/office/drawing/2010/main" w="9525">
                   <a:solidFill>
                     <a:srgbClr val="000000"/>
                   </a:solidFill>
@@ -5643,7 +5700,7 @@
             </a:ln>
             <a:extLst>
               <a:ext uri="{91240B29-F687-4f45-9708-019B960494DF}">
-                <a14:hiddenLine xmlns:a14="http://schemas.microsoft.com/office/drawing/2010/main" xmlns="" w="9525">
+                <a14:hiddenLine xmlns="" xmlns:a14="http://schemas.microsoft.com/office/drawing/2010/main" w="9525">
                   <a:solidFill>
                     <a:srgbClr val="000000"/>
                   </a:solidFill>
@@ -5733,7 +5790,7 @@
             </a:ln>
             <a:extLst>
               <a:ext uri="{91240B29-F687-4f45-9708-019B960494DF}">
-                <a14:hiddenLine xmlns:a14="http://schemas.microsoft.com/office/drawing/2010/main" xmlns="" w="9525">
+                <a14:hiddenLine xmlns="" xmlns:a14="http://schemas.microsoft.com/office/drawing/2010/main" w="9525">
                   <a:solidFill>
                     <a:srgbClr val="000000"/>
                   </a:solidFill>
@@ -5795,7 +5852,7 @@
             </a:ln>
             <a:extLst>
               <a:ext uri="{91240B29-F687-4f45-9708-019B960494DF}">
-                <a14:hiddenLine xmlns:a14="http://schemas.microsoft.com/office/drawing/2010/main" xmlns="" w="9525">
+                <a14:hiddenLine xmlns="" xmlns:a14="http://schemas.microsoft.com/office/drawing/2010/main" w="9525">
                   <a:solidFill>
                     <a:srgbClr val="000000"/>
                   </a:solidFill>
@@ -5915,7 +5972,7 @@
             </a:ln>
             <a:extLst>
               <a:ext uri="{91240B29-F687-4f45-9708-019B960494DF}">
-                <a14:hiddenLine xmlns:a14="http://schemas.microsoft.com/office/drawing/2010/main" xmlns="" w="9525">
+                <a14:hiddenLine xmlns="" xmlns:a14="http://schemas.microsoft.com/office/drawing/2010/main" w="9525">
                   <a:solidFill>
                     <a:srgbClr val="000000"/>
                   </a:solidFill>
@@ -5983,7 +6040,7 @@
             </a:ln>
             <a:extLst>
               <a:ext uri="{91240B29-F687-4f45-9708-019B960494DF}">
-                <a14:hiddenLine xmlns:a14="http://schemas.microsoft.com/office/drawing/2010/main" xmlns="" w="9525">
+                <a14:hiddenLine xmlns="" xmlns:a14="http://schemas.microsoft.com/office/drawing/2010/main" w="9525">
                   <a:solidFill>
                     <a:srgbClr val="000000"/>
                   </a:solidFill>
@@ -6073,7 +6130,7 @@
             </a:ln>
             <a:extLst>
               <a:ext uri="{91240B29-F687-4f45-9708-019B960494DF}">
-                <a14:hiddenLine xmlns:a14="http://schemas.microsoft.com/office/drawing/2010/main" xmlns="" w="9525">
+                <a14:hiddenLine xmlns="" xmlns:a14="http://schemas.microsoft.com/office/drawing/2010/main" w="9525">
                   <a:solidFill>
                     <a:srgbClr val="000000"/>
                   </a:solidFill>
@@ -6213,7 +6270,7 @@
           <a:p>
             <a:fld id="{997E8536-A64B-456C-8DAA-FEA500547DF3}" type="datetimeFigureOut">
               <a:rPr lang="it-IT" smtClean="0"/>
-              <a:t>01/09/2018</a:t>
+              <a:t>09/09/2018</a:t>
             </a:fld>
             <a:endParaRPr lang="it-IT"/>
           </a:p>
@@ -6480,7 +6537,7 @@
           <a:p>
             <a:fld id="{997E8536-A64B-456C-8DAA-FEA500547DF3}" type="datetimeFigureOut">
               <a:rPr lang="it-IT" smtClean="0"/>
-              <a:t>01/09/2018</a:t>
+              <a:t>09/09/2018</a:t>
             </a:fld>
             <a:endParaRPr lang="it-IT"/>
           </a:p>
@@ -6676,7 +6733,7 @@
           <a:p>
             <a:fld id="{997E8536-A64B-456C-8DAA-FEA500547DF3}" type="datetimeFigureOut">
               <a:rPr lang="it-IT" smtClean="0"/>
-              <a:t>01/09/2018</a:t>
+              <a:t>09/09/2018</a:t>
             </a:fld>
             <a:endParaRPr lang="it-IT"/>
           </a:p>
@@ -6939,7 +6996,7 @@
           <a:p>
             <a:fld id="{997E8536-A64B-456C-8DAA-FEA500547DF3}" type="datetimeFigureOut">
               <a:rPr lang="it-IT" smtClean="0"/>
-              <a:t>01/09/2018</a:t>
+              <a:t>09/09/2018</a:t>
             </a:fld>
             <a:endParaRPr lang="it-IT"/>
           </a:p>
@@ -7373,7 +7430,7 @@
           <a:p>
             <a:fld id="{997E8536-A64B-456C-8DAA-FEA500547DF3}" type="datetimeFigureOut">
               <a:rPr lang="it-IT" smtClean="0"/>
-              <a:t>01/09/2018</a:t>
+              <a:t>09/09/2018</a:t>
             </a:fld>
             <a:endParaRPr lang="it-IT"/>
           </a:p>
@@ -7919,7 +7976,7 @@
           <a:p>
             <a:fld id="{997E8536-A64B-456C-8DAA-FEA500547DF3}" type="datetimeFigureOut">
               <a:rPr lang="it-IT" smtClean="0"/>
-              <a:t>01/09/2018</a:t>
+              <a:t>09/09/2018</a:t>
             </a:fld>
             <a:endParaRPr lang="it-IT"/>
           </a:p>
@@ -8639,7 +8696,7 @@
           <a:p>
             <a:fld id="{997E8536-A64B-456C-8DAA-FEA500547DF3}" type="datetimeFigureOut">
               <a:rPr lang="it-IT" smtClean="0"/>
-              <a:t>01/09/2018</a:t>
+              <a:t>09/09/2018</a:t>
             </a:fld>
             <a:endParaRPr lang="it-IT"/>
           </a:p>
@@ -8809,7 +8866,7 @@
           <a:p>
             <a:fld id="{997E8536-A64B-456C-8DAA-FEA500547DF3}" type="datetimeFigureOut">
               <a:rPr lang="it-IT" smtClean="0"/>
-              <a:t>01/09/2018</a:t>
+              <a:t>09/09/2018</a:t>
             </a:fld>
             <a:endParaRPr lang="it-IT"/>
           </a:p>
@@ -8989,7 +9046,7 @@
           <a:p>
             <a:fld id="{997E8536-A64B-456C-8DAA-FEA500547DF3}" type="datetimeFigureOut">
               <a:rPr lang="it-IT" smtClean="0"/>
-              <a:t>01/09/2018</a:t>
+              <a:t>09/09/2018</a:t>
             </a:fld>
             <a:endParaRPr lang="it-IT"/>
           </a:p>
@@ -9159,7 +9216,7 @@
           <a:p>
             <a:fld id="{997E8536-A64B-456C-8DAA-FEA500547DF3}" type="datetimeFigureOut">
               <a:rPr lang="it-IT" smtClean="0"/>
-              <a:t>01/09/2018</a:t>
+              <a:t>09/09/2018</a:t>
             </a:fld>
             <a:endParaRPr lang="it-IT"/>
           </a:p>
@@ -9409,7 +9466,7 @@
           <a:p>
             <a:fld id="{997E8536-A64B-456C-8DAA-FEA500547DF3}" type="datetimeFigureOut">
               <a:rPr lang="it-IT" smtClean="0"/>
-              <a:t>01/09/2018</a:t>
+              <a:t>09/09/2018</a:t>
             </a:fld>
             <a:endParaRPr lang="it-IT"/>
           </a:p>
@@ -9641,7 +9698,7 @@
           <a:p>
             <a:fld id="{997E8536-A64B-456C-8DAA-FEA500547DF3}" type="datetimeFigureOut">
               <a:rPr lang="it-IT" smtClean="0"/>
-              <a:t>01/09/2018</a:t>
+              <a:t>09/09/2018</a:t>
             </a:fld>
             <a:endParaRPr lang="it-IT"/>
           </a:p>
@@ -10022,7 +10079,7 @@
           <a:p>
             <a:fld id="{997E8536-A64B-456C-8DAA-FEA500547DF3}" type="datetimeFigureOut">
               <a:rPr lang="it-IT" smtClean="0"/>
-              <a:t>01/09/2018</a:t>
+              <a:t>09/09/2018</a:t>
             </a:fld>
             <a:endParaRPr lang="it-IT"/>
           </a:p>
@@ -10140,7 +10197,7 @@
           <a:p>
             <a:fld id="{997E8536-A64B-456C-8DAA-FEA500547DF3}" type="datetimeFigureOut">
               <a:rPr lang="it-IT" smtClean="0"/>
-              <a:t>01/09/2018</a:t>
+              <a:t>09/09/2018</a:t>
             </a:fld>
             <a:endParaRPr lang="it-IT"/>
           </a:p>
@@ -10235,7 +10292,7 @@
           <a:p>
             <a:fld id="{997E8536-A64B-456C-8DAA-FEA500547DF3}" type="datetimeFigureOut">
               <a:rPr lang="it-IT" smtClean="0"/>
-              <a:t>01/09/2018</a:t>
+              <a:t>09/09/2018</a:t>
             </a:fld>
             <a:endParaRPr lang="it-IT"/>
           </a:p>
@@ -10484,7 +10541,7 @@
           <a:p>
             <a:fld id="{997E8536-A64B-456C-8DAA-FEA500547DF3}" type="datetimeFigureOut">
               <a:rPr lang="it-IT" smtClean="0"/>
-              <a:t>01/09/2018</a:t>
+              <a:t>09/09/2018</a:t>
             </a:fld>
             <a:endParaRPr lang="it-IT"/>
           </a:p>
@@ -10764,7 +10821,7 @@
           <a:p>
             <a:fld id="{997E8536-A64B-456C-8DAA-FEA500547DF3}" type="datetimeFigureOut">
               <a:rPr lang="it-IT" smtClean="0"/>
-              <a:t>01/09/2018</a:t>
+              <a:t>09/09/2018</a:t>
             </a:fld>
             <a:endParaRPr lang="it-IT"/>
           </a:p>
@@ -10887,7 +10944,7 @@
           <a:noFill/>
           <a:extLst>
             <a:ext uri="{909E8E84-426E-40dd-AFC4-6F175D3DCCD1}">
-              <a14:hiddenFill xmlns:a14="http://schemas.microsoft.com/office/drawing/2010/main" xmlns="">
+              <a14:hiddenFill xmlns="" xmlns:a14="http://schemas.microsoft.com/office/drawing/2010/main">
                 <a:solidFill>
                   <a:srgbClr val="FFFFFF"/>
                 </a:solidFill>
@@ -10961,7 +11018,7 @@
               </a:ln>
               <a:extLst>
                 <a:ext uri="{91240B29-F687-4f45-9708-019B960494DF}">
-                  <a14:hiddenLine xmlns:a14="http://schemas.microsoft.com/office/drawing/2010/main" xmlns="" w="9525">
+                  <a14:hiddenLine xmlns="" xmlns:a14="http://schemas.microsoft.com/office/drawing/2010/main" w="9525">
                     <a:solidFill>
                       <a:srgbClr val="000000"/>
                     </a:solidFill>
@@ -11051,7 +11108,7 @@
               </a:ln>
               <a:extLst>
                 <a:ext uri="{91240B29-F687-4f45-9708-019B960494DF}">
-                  <a14:hiddenLine xmlns:a14="http://schemas.microsoft.com/office/drawing/2010/main" xmlns="" w="9525">
+                  <a14:hiddenLine xmlns="" xmlns:a14="http://schemas.microsoft.com/office/drawing/2010/main" w="9525">
                     <a:solidFill>
                       <a:srgbClr val="000000"/>
                     </a:solidFill>
@@ -11141,7 +11198,7 @@
               </a:ln>
               <a:extLst>
                 <a:ext uri="{91240B29-F687-4f45-9708-019B960494DF}">
-                  <a14:hiddenLine xmlns:a14="http://schemas.microsoft.com/office/drawing/2010/main" xmlns="" w="9525">
+                  <a14:hiddenLine xmlns="" xmlns:a14="http://schemas.microsoft.com/office/drawing/2010/main" w="9525">
                     <a:solidFill>
                       <a:srgbClr val="000000"/>
                     </a:solidFill>
@@ -11203,7 +11260,7 @@
               </a:ln>
               <a:extLst>
                 <a:ext uri="{91240B29-F687-4f45-9708-019B960494DF}">
-                  <a14:hiddenLine xmlns:a14="http://schemas.microsoft.com/office/drawing/2010/main" xmlns="" w="9525">
+                  <a14:hiddenLine xmlns="" xmlns:a14="http://schemas.microsoft.com/office/drawing/2010/main" w="9525">
                     <a:solidFill>
                       <a:srgbClr val="000000"/>
                     </a:solidFill>
@@ -11293,7 +11350,7 @@
               </a:ln>
               <a:extLst>
                 <a:ext uri="{91240B29-F687-4f45-9708-019B960494DF}">
-                  <a14:hiddenLine xmlns:a14="http://schemas.microsoft.com/office/drawing/2010/main" xmlns="" w="9525">
+                  <a14:hiddenLine xmlns="" xmlns:a14="http://schemas.microsoft.com/office/drawing/2010/main" w="9525">
                     <a:solidFill>
                       <a:srgbClr val="000000"/>
                     </a:solidFill>
@@ -11355,7 +11412,7 @@
               </a:ln>
               <a:extLst>
                 <a:ext uri="{91240B29-F687-4f45-9708-019B960494DF}">
-                  <a14:hiddenLine xmlns:a14="http://schemas.microsoft.com/office/drawing/2010/main" xmlns="" w="9525">
+                  <a14:hiddenLine xmlns="" xmlns:a14="http://schemas.microsoft.com/office/drawing/2010/main" w="9525">
                     <a:solidFill>
                       <a:srgbClr val="000000"/>
                     </a:solidFill>
@@ -11417,7 +11474,7 @@
               </a:ln>
               <a:extLst>
                 <a:ext uri="{91240B29-F687-4f45-9708-019B960494DF}">
-                  <a14:hiddenLine xmlns:a14="http://schemas.microsoft.com/office/drawing/2010/main" xmlns="" w="9525">
+                  <a14:hiddenLine xmlns="" xmlns:a14="http://schemas.microsoft.com/office/drawing/2010/main" w="9525">
                     <a:solidFill>
                       <a:srgbClr val="000000"/>
                     </a:solidFill>
@@ -11507,7 +11564,7 @@
               </a:ln>
               <a:extLst>
                 <a:ext uri="{91240B29-F687-4f45-9708-019B960494DF}">
-                  <a14:hiddenLine xmlns:a14="http://schemas.microsoft.com/office/drawing/2010/main" xmlns="" w="9525">
+                  <a14:hiddenLine xmlns="" xmlns:a14="http://schemas.microsoft.com/office/drawing/2010/main" w="9525">
                     <a:solidFill>
                       <a:srgbClr val="000000"/>
                     </a:solidFill>
@@ -11597,7 +11654,7 @@
               </a:ln>
               <a:extLst>
                 <a:ext uri="{91240B29-F687-4f45-9708-019B960494DF}">
-                  <a14:hiddenLine xmlns:a14="http://schemas.microsoft.com/office/drawing/2010/main" xmlns="" w="9525">
+                  <a14:hiddenLine xmlns="" xmlns:a14="http://schemas.microsoft.com/office/drawing/2010/main" w="9525">
                     <a:solidFill>
                       <a:srgbClr val="000000"/>
                     </a:solidFill>
@@ -11659,7 +11716,7 @@
               </a:ln>
               <a:extLst>
                 <a:ext uri="{91240B29-F687-4f45-9708-019B960494DF}">
-                  <a14:hiddenLine xmlns:a14="http://schemas.microsoft.com/office/drawing/2010/main" xmlns="" w="9525">
+                  <a14:hiddenLine xmlns="" xmlns:a14="http://schemas.microsoft.com/office/drawing/2010/main" w="9525">
                     <a:solidFill>
                       <a:srgbClr val="000000"/>
                     </a:solidFill>
@@ -11769,7 +11826,7 @@
               </a:ln>
               <a:extLst>
                 <a:ext uri="{91240B29-F687-4f45-9708-019B960494DF}">
-                  <a14:hiddenLine xmlns:a14="http://schemas.microsoft.com/office/drawing/2010/main" xmlns="" w="9525">
+                  <a14:hiddenLine xmlns="" xmlns:a14="http://schemas.microsoft.com/office/drawing/2010/main" w="9525">
                     <a:solidFill>
                       <a:srgbClr val="000000"/>
                     </a:solidFill>
@@ -11853,7 +11910,7 @@
               </a:ln>
               <a:extLst>
                 <a:ext uri="{91240B29-F687-4f45-9708-019B960494DF}">
-                  <a14:hiddenLine xmlns:a14="http://schemas.microsoft.com/office/drawing/2010/main" xmlns="" w="9525">
+                  <a14:hiddenLine xmlns="" xmlns:a14="http://schemas.microsoft.com/office/drawing/2010/main" w="9525">
                     <a:solidFill>
                       <a:srgbClr val="000000"/>
                     </a:solidFill>
@@ -11915,7 +11972,7 @@
               </a:ln>
               <a:extLst>
                 <a:ext uri="{91240B29-F687-4f45-9708-019B960494DF}">
-                  <a14:hiddenLine xmlns:a14="http://schemas.microsoft.com/office/drawing/2010/main" xmlns="" w="9525">
+                  <a14:hiddenLine xmlns="" xmlns:a14="http://schemas.microsoft.com/office/drawing/2010/main" w="9525">
                     <a:solidFill>
                       <a:srgbClr val="000000"/>
                     </a:solidFill>
@@ -11977,7 +12034,7 @@
               </a:ln>
               <a:extLst>
                 <a:ext uri="{91240B29-F687-4f45-9708-019B960494DF}">
-                  <a14:hiddenLine xmlns:a14="http://schemas.microsoft.com/office/drawing/2010/main" xmlns="" w="9525">
+                  <a14:hiddenLine xmlns="" xmlns:a14="http://schemas.microsoft.com/office/drawing/2010/main" w="9525">
                     <a:solidFill>
                       <a:srgbClr val="000000"/>
                     </a:solidFill>
@@ -12067,7 +12124,7 @@
               </a:ln>
               <a:extLst>
                 <a:ext uri="{91240B29-F687-4f45-9708-019B960494DF}">
-                  <a14:hiddenLine xmlns:a14="http://schemas.microsoft.com/office/drawing/2010/main" xmlns="" w="9525">
+                  <a14:hiddenLine xmlns="" xmlns:a14="http://schemas.microsoft.com/office/drawing/2010/main" w="9525">
                     <a:solidFill>
                       <a:srgbClr val="000000"/>
                     </a:solidFill>
@@ -12101,7 +12158,7 @@
               </a:ln>
               <a:extLst>
                 <a:ext uri="{91240B29-F687-4f45-9708-019B960494DF}">
-                  <a14:hiddenLine xmlns:a14="http://schemas.microsoft.com/office/drawing/2010/main" xmlns="" w="9525">
+                  <a14:hiddenLine xmlns="" xmlns:a14="http://schemas.microsoft.com/office/drawing/2010/main" w="9525">
                     <a:solidFill>
                       <a:srgbClr val="000000"/>
                     </a:solidFill>
@@ -12166,7 +12223,7 @@
               </a:ln>
               <a:extLst>
                 <a:ext uri="{91240B29-F687-4f45-9708-019B960494DF}">
-                  <a14:hiddenLine xmlns:a14="http://schemas.microsoft.com/office/drawing/2010/main" xmlns="" w="9525">
+                  <a14:hiddenLine xmlns="" xmlns:a14="http://schemas.microsoft.com/office/drawing/2010/main" w="9525">
                     <a:solidFill>
                       <a:srgbClr val="000000"/>
                     </a:solidFill>
@@ -12256,7 +12313,7 @@
               </a:ln>
               <a:extLst>
                 <a:ext uri="{91240B29-F687-4f45-9708-019B960494DF}">
-                  <a14:hiddenLine xmlns:a14="http://schemas.microsoft.com/office/drawing/2010/main" xmlns="" w="9525">
+                  <a14:hiddenLine xmlns="" xmlns:a14="http://schemas.microsoft.com/office/drawing/2010/main" w="9525">
                     <a:solidFill>
                       <a:srgbClr val="000000"/>
                     </a:solidFill>
@@ -12318,7 +12375,7 @@
               </a:ln>
               <a:extLst>
                 <a:ext uri="{91240B29-F687-4f45-9708-019B960494DF}">
-                  <a14:hiddenLine xmlns:a14="http://schemas.microsoft.com/office/drawing/2010/main" xmlns="" w="9525">
+                  <a14:hiddenLine xmlns="" xmlns:a14="http://schemas.microsoft.com/office/drawing/2010/main" w="9525">
                     <a:solidFill>
                       <a:srgbClr val="000000"/>
                     </a:solidFill>
@@ -12408,7 +12465,7 @@
               </a:ln>
               <a:extLst>
                 <a:ext uri="{91240B29-F687-4f45-9708-019B960494DF}">
-                  <a14:hiddenLine xmlns:a14="http://schemas.microsoft.com/office/drawing/2010/main" xmlns="" w="9525">
+                  <a14:hiddenLine xmlns="" xmlns:a14="http://schemas.microsoft.com/office/drawing/2010/main" w="9525">
                     <a:solidFill>
                       <a:srgbClr val="000000"/>
                     </a:solidFill>
@@ -12473,7 +12530,7 @@
               </a:ln>
               <a:extLst>
                 <a:ext uri="{91240B29-F687-4f45-9708-019B960494DF}">
-                  <a14:hiddenLine xmlns:a14="http://schemas.microsoft.com/office/drawing/2010/main" xmlns="" w="9525">
+                  <a14:hiddenLine xmlns="" xmlns:a14="http://schemas.microsoft.com/office/drawing/2010/main" w="9525">
                     <a:solidFill>
                       <a:srgbClr val="000000"/>
                     </a:solidFill>
@@ -12535,7 +12592,7 @@
               </a:ln>
               <a:extLst>
                 <a:ext uri="{91240B29-F687-4f45-9708-019B960494DF}">
-                  <a14:hiddenLine xmlns:a14="http://schemas.microsoft.com/office/drawing/2010/main" xmlns="" w="9525">
+                  <a14:hiddenLine xmlns="" xmlns:a14="http://schemas.microsoft.com/office/drawing/2010/main" w="9525">
                     <a:solidFill>
                       <a:srgbClr val="000000"/>
                     </a:solidFill>
@@ -12625,7 +12682,7 @@
               </a:ln>
               <a:extLst>
                 <a:ext uri="{91240B29-F687-4f45-9708-019B960494DF}">
-                  <a14:hiddenLine xmlns:a14="http://schemas.microsoft.com/office/drawing/2010/main" xmlns="" w="9525">
+                  <a14:hiddenLine xmlns="" xmlns:a14="http://schemas.microsoft.com/office/drawing/2010/main" w="9525">
                     <a:solidFill>
                       <a:srgbClr val="000000"/>
                     </a:solidFill>
@@ -12715,7 +12772,7 @@
               </a:ln>
               <a:extLst>
                 <a:ext uri="{91240B29-F687-4f45-9708-019B960494DF}">
-                  <a14:hiddenLine xmlns:a14="http://schemas.microsoft.com/office/drawing/2010/main" xmlns="" w="9525">
+                  <a14:hiddenLine xmlns="" xmlns:a14="http://schemas.microsoft.com/office/drawing/2010/main" w="9525">
                     <a:solidFill>
                       <a:srgbClr val="000000"/>
                     </a:solidFill>
@@ -12780,7 +12837,7 @@
               </a:ln>
               <a:extLst>
                 <a:ext uri="{91240B29-F687-4f45-9708-019B960494DF}">
-                  <a14:hiddenLine xmlns:a14="http://schemas.microsoft.com/office/drawing/2010/main" xmlns="" w="9525">
+                  <a14:hiddenLine xmlns="" xmlns:a14="http://schemas.microsoft.com/office/drawing/2010/main" w="9525">
                     <a:solidFill>
                       <a:srgbClr val="000000"/>
                     </a:solidFill>
@@ -12900,7 +12957,7 @@
               </a:ln>
               <a:extLst>
                 <a:ext uri="{91240B29-F687-4f45-9708-019B960494DF}">
-                  <a14:hiddenLine xmlns:a14="http://schemas.microsoft.com/office/drawing/2010/main" xmlns="" w="9525">
+                  <a14:hiddenLine xmlns="" xmlns:a14="http://schemas.microsoft.com/office/drawing/2010/main" w="9525">
                     <a:solidFill>
                       <a:srgbClr val="000000"/>
                     </a:solidFill>
@@ -12981,7 +13038,7 @@
               </a:ln>
               <a:extLst>
                 <a:ext uri="{91240B29-F687-4f45-9708-019B960494DF}">
-                  <a14:hiddenLine xmlns:a14="http://schemas.microsoft.com/office/drawing/2010/main" xmlns="" w="9525">
+                  <a14:hiddenLine xmlns="" xmlns:a14="http://schemas.microsoft.com/office/drawing/2010/main" w="9525">
                     <a:solidFill>
                       <a:srgbClr val="000000"/>
                     </a:solidFill>
@@ -13096,7 +13153,7 @@
               </a:ln>
               <a:extLst>
                 <a:ext uri="{91240B29-F687-4f45-9708-019B960494DF}">
-                  <a14:hiddenLine xmlns:a14="http://schemas.microsoft.com/office/drawing/2010/main" xmlns="" w="9525">
+                  <a14:hiddenLine xmlns="" xmlns:a14="http://schemas.microsoft.com/office/drawing/2010/main" w="9525">
                     <a:solidFill>
                       <a:srgbClr val="000000"/>
                     </a:solidFill>
@@ -13186,7 +13243,7 @@
               </a:ln>
               <a:extLst>
                 <a:ext uri="{91240B29-F687-4f45-9708-019B960494DF}">
-                  <a14:hiddenLine xmlns:a14="http://schemas.microsoft.com/office/drawing/2010/main" xmlns="" w="9525">
+                  <a14:hiddenLine xmlns="" xmlns:a14="http://schemas.microsoft.com/office/drawing/2010/main" w="9525">
                     <a:solidFill>
                       <a:srgbClr val="000000"/>
                     </a:solidFill>
@@ -13251,7 +13308,7 @@
               </a:ln>
               <a:extLst>
                 <a:ext uri="{91240B29-F687-4f45-9708-019B960494DF}">
-                  <a14:hiddenLine xmlns:a14="http://schemas.microsoft.com/office/drawing/2010/main" xmlns="" w="9525">
+                  <a14:hiddenLine xmlns="" xmlns:a14="http://schemas.microsoft.com/office/drawing/2010/main" w="9525">
                     <a:solidFill>
                       <a:srgbClr val="000000"/>
                     </a:solidFill>
@@ -13341,7 +13398,7 @@
               </a:ln>
               <a:extLst>
                 <a:ext uri="{91240B29-F687-4f45-9708-019B960494DF}">
-                  <a14:hiddenLine xmlns:a14="http://schemas.microsoft.com/office/drawing/2010/main" xmlns="" w="9525">
+                  <a14:hiddenLine xmlns="" xmlns:a14="http://schemas.microsoft.com/office/drawing/2010/main" w="9525">
                     <a:solidFill>
                       <a:srgbClr val="000000"/>
                     </a:solidFill>
@@ -13409,7 +13466,7 @@
               </a:ln>
               <a:extLst>
                 <a:ext uri="{91240B29-F687-4f45-9708-019B960494DF}">
-                  <a14:hiddenLine xmlns:a14="http://schemas.microsoft.com/office/drawing/2010/main" xmlns="" w="9525">
+                  <a14:hiddenLine xmlns="" xmlns:a14="http://schemas.microsoft.com/office/drawing/2010/main" w="9525">
                     <a:solidFill>
                       <a:srgbClr val="000000"/>
                     </a:solidFill>
@@ -13499,7 +13556,7 @@
               </a:ln>
               <a:extLst>
                 <a:ext uri="{91240B29-F687-4f45-9708-019B960494DF}">
-                  <a14:hiddenLine xmlns:a14="http://schemas.microsoft.com/office/drawing/2010/main" xmlns="" w="9525">
+                  <a14:hiddenLine xmlns="" xmlns:a14="http://schemas.microsoft.com/office/drawing/2010/main" w="9525">
                     <a:solidFill>
                       <a:srgbClr val="000000"/>
                     </a:solidFill>
@@ -13567,7 +13624,7 @@
               </a:ln>
               <a:extLst>
                 <a:ext uri="{91240B29-F687-4f45-9708-019B960494DF}">
-                  <a14:hiddenLine xmlns:a14="http://schemas.microsoft.com/office/drawing/2010/main" xmlns="" w="9525">
+                  <a14:hiddenLine xmlns="" xmlns:a14="http://schemas.microsoft.com/office/drawing/2010/main" w="9525">
                     <a:solidFill>
                       <a:srgbClr val="000000"/>
                     </a:solidFill>
@@ -13657,7 +13714,7 @@
               </a:ln>
               <a:extLst>
                 <a:ext uri="{91240B29-F687-4f45-9708-019B960494DF}">
-                  <a14:hiddenLine xmlns:a14="http://schemas.microsoft.com/office/drawing/2010/main" xmlns="" w="9525">
+                  <a14:hiddenLine xmlns="" xmlns:a14="http://schemas.microsoft.com/office/drawing/2010/main" w="9525">
                     <a:solidFill>
                       <a:srgbClr val="000000"/>
                     </a:solidFill>
@@ -13691,7 +13748,7 @@
               </a:ln>
               <a:extLst>
                 <a:ext uri="{91240B29-F687-4f45-9708-019B960494DF}">
-                  <a14:hiddenLine xmlns:a14="http://schemas.microsoft.com/office/drawing/2010/main" xmlns="" w="9525">
+                  <a14:hiddenLine xmlns="" xmlns:a14="http://schemas.microsoft.com/office/drawing/2010/main" w="9525">
                     <a:solidFill>
                       <a:srgbClr val="000000"/>
                     </a:solidFill>
@@ -13831,7 +13888,7 @@
           <a:p>
             <a:fld id="{997E8536-A64B-456C-8DAA-FEA500547DF3}" type="datetimeFigureOut">
               <a:rPr lang="it-IT" smtClean="0"/>
-              <a:t>01/09/2018</a:t>
+              <a:t>09/09/2018</a:t>
             </a:fld>
             <a:endParaRPr lang="it-IT"/>
           </a:p>
@@ -14615,7 +14672,7 @@
         </p:spPr>
         <p:txBody>
           <a:bodyPr>
-            <a:normAutofit fontScale="77500" lnSpcReduction="20000"/>
+            <a:normAutofit fontScale="62500" lnSpcReduction="20000"/>
           </a:bodyPr>
           <a:lstStyle/>
           <a:p>
@@ -14671,44 +14728,26 @@
               <a:t>: oggetti che si interfacciano con gli attori.</a:t>
             </a:r>
           </a:p>
+          <a:p>
+            <a:pPr marL="0" indent="0">
+              <a:buNone/>
+            </a:pPr>
+            <a:r>
+              <a:rPr lang="it-IT" dirty="0"/>
+              <a:t>E’ stato utilizzato per la realizzazione del software Desktop.</a:t>
+            </a:r>
+          </a:p>
+          <a:p>
+            <a:pPr marL="0" indent="0">
+              <a:buNone/>
+            </a:pPr>
+            <a:endParaRPr lang="it-IT" dirty="0"/>
+          </a:p>
+          <a:p>
+            <a:endParaRPr lang="it-IT" dirty="0"/>
+          </a:p>
         </p:txBody>
       </p:sp>
-      <p:pic>
-        <p:nvPicPr>
-          <p:cNvPr id="4" name="Immagine 3" descr="Immagine che contiene screenshot, testo&#10;&#10;Descrizione generata con affidabilità elevata">
-            <a:extLst>
-              <a:ext uri="{FF2B5EF4-FFF2-40B4-BE49-F238E27FC236}">
-                <a16:creationId xmlns:a16="http://schemas.microsoft.com/office/drawing/2014/main" id="{5AFD403A-6F08-455E-86D6-C866A0CB353E}"/>
-              </a:ext>
-            </a:extLst>
-          </p:cNvPr>
-          <p:cNvPicPr>
-            <a:picLocks noChangeAspect="1"/>
-          </p:cNvPicPr>
-          <p:nvPr/>
-        </p:nvPicPr>
-        <p:blipFill>
-          <a:blip r:embed="rId3">
-            <a:extLst>
-              <a:ext uri="{28A0092B-C50C-407E-A947-70E740481C1C}">
-                <a14:useLocalDpi xmlns:a14="http://schemas.microsoft.com/office/drawing/2010/main" val="0"/>
-              </a:ext>
-            </a:extLst>
-          </a:blip>
-          <a:stretch>
-            <a:fillRect/>
-          </a:stretch>
-        </p:blipFill>
-        <p:spPr>
-          <a:xfrm>
-            <a:off x="4601994" y="505142"/>
-            <a:ext cx="7202922" cy="5291501"/>
-          </a:xfrm>
-          <a:prstGeom prst="rect">
-            <a:avLst/>
-          </a:prstGeom>
-        </p:spPr>
-      </p:pic>
       <p:sp>
         <p:nvSpPr>
           <p:cNvPr id="6" name="Rettangolo 5">
@@ -14752,6 +14791,48 @@
           </a:p>
         </p:txBody>
       </p:sp>
+      <p:pic>
+        <p:nvPicPr>
+          <p:cNvPr id="5" name="Immagine 4">
+            <a:extLst>
+              <a:ext uri="{FF2B5EF4-FFF2-40B4-BE49-F238E27FC236}">
+                <a16:creationId xmlns:a16="http://schemas.microsoft.com/office/drawing/2014/main" id="{FB5275C4-8970-46EE-BFF2-D97FBD0C75C4}"/>
+              </a:ext>
+            </a:extLst>
+          </p:cNvPr>
+          <p:cNvPicPr>
+            <a:picLocks noChangeAspect="1"/>
+          </p:cNvPicPr>
+          <p:nvPr/>
+        </p:nvPicPr>
+        <p:blipFill>
+          <a:blip r:embed="rId3">
+            <a:extLst>
+              <a:ext uri="{28A0092B-C50C-407E-A947-70E740481C1C}">
+                <a14:useLocalDpi xmlns:a14="http://schemas.microsoft.com/office/drawing/2010/main" val="0"/>
+              </a:ext>
+            </a:extLst>
+          </a:blip>
+          <a:stretch>
+            <a:fillRect/>
+          </a:stretch>
+        </p:blipFill>
+        <p:spPr>
+          <a:xfrm>
+            <a:off x="4309461" y="505141"/>
+            <a:ext cx="7506302" cy="5539939"/>
+          </a:xfrm>
+          <a:prstGeom prst="rect">
+            <a:avLst/>
+          </a:prstGeom>
+          <a:ln>
+            <a:noFill/>
+          </a:ln>
+          <a:effectLst>
+            <a:softEdge rad="112500"/>
+          </a:effectLst>
+        </p:spPr>
+      </p:pic>
     </p:spTree>
     <p:extLst>
       <p:ext uri="{BB962C8B-B14F-4D97-AF65-F5344CB8AC3E}">
@@ -14955,7 +15036,7 @@
         <p:spPr>
           <a:xfrm>
             <a:off x="2671189" y="4206944"/>
-            <a:ext cx="1008578" cy="0"/>
+            <a:ext cx="754173" cy="0"/>
           </a:xfrm>
           <a:prstGeom prst="straightConnector1">
             <a:avLst/>
@@ -14993,7 +15074,7 @@
         </p:nvSpPr>
         <p:spPr>
           <a:xfrm>
-            <a:off x="3716137" y="3631322"/>
+            <a:off x="3425362" y="3631322"/>
             <a:ext cx="2243069" cy="1938992"/>
           </a:xfrm>
           <a:prstGeom prst="rect">
@@ -15081,7 +15162,7 @@
         </p:nvSpPr>
         <p:spPr>
           <a:xfrm>
-            <a:off x="6677009" y="3631322"/>
+            <a:off x="6422603" y="3631322"/>
             <a:ext cx="2243069" cy="1938992"/>
           </a:xfrm>
           <a:prstGeom prst="rect">
@@ -15199,8 +15280,8 @@
         </p:nvCxnSpPr>
         <p:spPr>
           <a:xfrm>
-            <a:off x="5959206" y="4206944"/>
-            <a:ext cx="717803" cy="0"/>
+            <a:off x="5668431" y="4206944"/>
+            <a:ext cx="754172" cy="20706"/>
           </a:xfrm>
           <a:prstGeom prst="straightConnector1">
             <a:avLst/>
@@ -15240,8 +15321,8 @@
         </p:nvCxnSpPr>
         <p:spPr>
           <a:xfrm>
-            <a:off x="8920078" y="4206944"/>
-            <a:ext cx="702977" cy="0"/>
+            <a:off x="8665672" y="4227650"/>
+            <a:ext cx="957381" cy="0"/>
           </a:xfrm>
           <a:prstGeom prst="straightConnector1">
             <a:avLst/>
@@ -15274,13 +15355,15 @@
               </a:ext>
             </a:extLst>
           </p:cNvPr>
-          <p:cNvCxnSpPr/>
+          <p:cNvCxnSpPr>
+            <a:cxnSpLocks/>
+          </p:cNvCxnSpPr>
           <p:nvPr/>
         </p:nvCxnSpPr>
         <p:spPr>
           <a:xfrm flipH="1">
-            <a:off x="8920077" y="4600818"/>
-            <a:ext cx="702977" cy="0"/>
+            <a:off x="8665672" y="4600818"/>
+            <a:ext cx="957384" cy="0"/>
           </a:xfrm>
           <a:prstGeom prst="straightConnector1">
             <a:avLst/>
@@ -15315,14 +15398,15 @@
           </p:cNvPr>
           <p:cNvCxnSpPr>
             <a:cxnSpLocks/>
+            <a:stCxn id="12" idx="1"/>
             <a:endCxn id="11" idx="3"/>
           </p:cNvCxnSpPr>
           <p:nvPr/>
         </p:nvCxnSpPr>
         <p:spPr>
-          <a:xfrm flipH="1" flipV="1">
-            <a:off x="5959206" y="4600818"/>
-            <a:ext cx="679218" cy="4702"/>
+          <a:xfrm flipH="1">
+            <a:off x="5668431" y="4600818"/>
+            <a:ext cx="754172" cy="0"/>
           </a:xfrm>
           <a:prstGeom prst="straightConnector1">
             <a:avLst/>
@@ -15355,13 +15439,16 @@
               </a:ext>
             </a:extLst>
           </p:cNvPr>
-          <p:cNvCxnSpPr/>
+          <p:cNvCxnSpPr>
+            <a:cxnSpLocks/>
+            <a:stCxn id="11" idx="1"/>
+          </p:cNvCxnSpPr>
           <p:nvPr/>
         </p:nvCxnSpPr>
         <p:spPr>
           <a:xfrm flipH="1">
-            <a:off x="2671189" y="4605515"/>
-            <a:ext cx="1008578" cy="0"/>
+            <a:off x="2671190" y="4600818"/>
+            <a:ext cx="754172" cy="4697"/>
           </a:xfrm>
           <a:prstGeom prst="straightConnector1">
             <a:avLst/>
@@ -15385,10 +15472,49 @@
           </a:fontRef>
         </p:style>
       </p:cxnSp>
+      <p:sp>
+        <p:nvSpPr>
+          <p:cNvPr id="22" name="Rettangolo 21">
+            <a:extLst>
+              <a:ext uri="{FF2B5EF4-FFF2-40B4-BE49-F238E27FC236}">
+                <a16:creationId xmlns:a16="http://schemas.microsoft.com/office/drawing/2014/main" id="{C83F8B5C-F8D4-43C4-A771-8EA733F373AB}"/>
+              </a:ext>
+            </a:extLst>
+          </p:cNvPr>
+          <p:cNvSpPr/>
+          <p:nvPr/>
+        </p:nvSpPr>
+        <p:spPr>
+          <a:xfrm>
+            <a:off x="4546896" y="5981976"/>
+            <a:ext cx="6096000" cy="369332"/>
+          </a:xfrm>
+          <a:prstGeom prst="rect">
+            <a:avLst/>
+          </a:prstGeom>
+        </p:spPr>
+        <p:txBody>
+          <a:bodyPr>
+            <a:spAutoFit/>
+          </a:bodyPr>
+          <a:lstStyle/>
+          <a:p>
+            <a:r>
+              <a:rPr lang="it-IT" dirty="0"/>
+              <a:t>Nelle varie transizioni vengono utilizzato gli oggetti </a:t>
+            </a:r>
+            <a:r>
+              <a:rPr lang="it-IT" dirty="0" err="1"/>
+              <a:t>entity</a:t>
+            </a:r>
+            <a:endParaRPr lang="it-IT" dirty="0"/>
+          </a:p>
+        </p:txBody>
+      </p:sp>
     </p:spTree>
     <p:extLst>
       <p:ext uri="{BB962C8B-B14F-4D97-AF65-F5344CB8AC3E}">
-        <p14:creationId xmlns:p14="http://schemas.microsoft.com/office/powerpoint/2010/main" val="2191501725"/>
+        <p14:creationId xmlns:p14="http://schemas.microsoft.com/office/powerpoint/2010/main" val="438941452"/>
       </p:ext>
     </p:extLst>
   </p:cSld>
@@ -15415,52 +15541,118 @@
           <a:chExt cx="0" cy="0"/>
         </a:xfrm>
       </p:grpSpPr>
-      <p:sp>
-        <p:nvSpPr>
-          <p:cNvPr id="2" name="Titolo 1">
+      <p:pic>
+        <p:nvPicPr>
+          <p:cNvPr id="6" name="Immagine 5">
             <a:extLst>
               <a:ext uri="{FF2B5EF4-FFF2-40B4-BE49-F238E27FC236}">
-                <a16:creationId xmlns:a16="http://schemas.microsoft.com/office/drawing/2014/main" id="{FAA278D2-9314-4D09-A262-6AED20353A89}"/>
+                <a16:creationId xmlns:a16="http://schemas.microsoft.com/office/drawing/2014/main" id="{0F233E7F-5A83-4373-8BD2-9F4177A040AA}"/>
               </a:ext>
             </a:extLst>
           </p:cNvPr>
-          <p:cNvSpPr>
-            <a:spLocks noGrp="1"/>
+          <p:cNvPicPr>
+            <a:picLocks noChangeAspect="1"/>
+          </p:cNvPicPr>
+          <p:nvPr/>
+        </p:nvPicPr>
+        <p:blipFill>
+          <a:blip r:embed="rId3">
+            <a:extLst>
+              <a:ext uri="{28A0092B-C50C-407E-A947-70E740481C1C}">
+                <a14:useLocalDpi xmlns:a14="http://schemas.microsoft.com/office/drawing/2010/main" val="0"/>
+              </a:ext>
+            </a:extLst>
+          </a:blip>
+          <a:stretch>
+            <a:fillRect/>
+          </a:stretch>
+        </p:blipFill>
+        <p:spPr>
+          <a:xfrm>
+            <a:off x="3714750" y="590551"/>
+            <a:ext cx="7938922" cy="5638799"/>
+          </a:xfrm>
+          <a:prstGeom prst="rect">
+            <a:avLst/>
+          </a:prstGeom>
+          <a:ln>
+            <a:noFill/>
+          </a:ln>
+          <a:effectLst>
+            <a:softEdge rad="112500"/>
+          </a:effectLst>
+        </p:spPr>
+      </p:pic>
+      <p:sp>
+        <p:nvSpPr>
+          <p:cNvPr id="8" name="Titolo 1">
+            <a:extLst>
+              <a:ext uri="{FF2B5EF4-FFF2-40B4-BE49-F238E27FC236}">
+                <a16:creationId xmlns:a16="http://schemas.microsoft.com/office/drawing/2014/main" id="{CDF41CE6-1F62-4CD2-BCFF-C96A779FE390}"/>
+              </a:ext>
+            </a:extLst>
+          </p:cNvPr>
+          <p:cNvSpPr txBox="1">
+            <a:spLocks/>
           </p:cNvSpPr>
-          <p:nvPr>
-            <p:ph type="title"/>
-          </p:nvPr>
+          <p:nvPr/>
         </p:nvSpPr>
         <p:spPr>
           <a:xfrm>
-            <a:off x="966952" y="1204108"/>
-            <a:ext cx="2669406" cy="1781175"/>
+            <a:off x="690728" y="513546"/>
+            <a:ext cx="2669406" cy="2058204"/>
           </a:xfrm>
+          <a:prstGeom prst="rect">
+            <a:avLst/>
+          </a:prstGeom>
         </p:spPr>
         <p:txBody>
-          <a:bodyPr>
+          <a:bodyPr vert="horz" lIns="91440" tIns="45720" rIns="91440" bIns="45720" rtlCol="0" anchor="ctr">
             <a:normAutofit/>
           </a:bodyPr>
-          <a:lstStyle/>
+          <a:lstStyle>
+            <a:lvl1pPr algn="l" defTabSz="914400" rtl="0" eaLnBrk="1" latinLnBrk="0" hangingPunct="1">
+              <a:lnSpc>
+                <a:spcPct val="90000"/>
+              </a:lnSpc>
+              <a:spcBef>
+                <a:spcPct val="0"/>
+              </a:spcBef>
+              <a:buNone/>
+              <a:defRPr sz="3600" kern="1200" cap="all" baseline="0">
+                <a:solidFill>
+                  <a:schemeClr val="tx1"/>
+                </a:solidFill>
+                <a:latin typeface="+mj-lt"/>
+                <a:ea typeface="+mj-ea"/>
+                <a:cs typeface="+mj-cs"/>
+              </a:defRPr>
+            </a:lvl1pPr>
+          </a:lstStyle>
           <a:p>
             <a:pPr algn="ctr"/>
             <a:r>
-              <a:rPr lang="it-IT" sz="3600" b="1" dirty="0">
+              <a:rPr lang="it-IT" b="1">
                 <a:solidFill>
                   <a:srgbClr val="FFFFFF"/>
                 </a:solidFill>
               </a:rPr>
-              <a:t>FLUSSO DI ESECUZIONE</a:t>
-            </a:r>
+              <a:t>Sequence diagram</a:t>
+            </a:r>
+            <a:endParaRPr lang="it-IT" b="1" dirty="0">
+              <a:solidFill>
+                <a:srgbClr val="FFFFFF"/>
+              </a:solidFill>
+            </a:endParaRPr>
           </a:p>
         </p:txBody>
       </p:sp>
       <p:sp>
         <p:nvSpPr>
-          <p:cNvPr id="10" name="Content Placeholder 9">
+          <p:cNvPr id="9" name="Content Placeholder 9">
             <a:extLst>
               <a:ext uri="{FF2B5EF4-FFF2-40B4-BE49-F238E27FC236}">
-                <a16:creationId xmlns:a16="http://schemas.microsoft.com/office/drawing/2014/main" id="{2217E7E5-712F-4A17-A56F-756F2190818B}"/>
+                <a16:creationId xmlns:a16="http://schemas.microsoft.com/office/drawing/2014/main" id="{E0053573-AF2E-4BD9-8AE7-3E6CA2D798B3}"/>
               </a:ext>
             </a:extLst>
           </p:cNvPr>
@@ -15473,22 +15665,22 @@
         </p:nvSpPr>
         <p:spPr>
           <a:xfrm>
-            <a:off x="4257803" y="1536279"/>
-            <a:ext cx="7216774" cy="1385690"/>
+            <a:off x="354176" y="2571750"/>
+            <a:ext cx="3342509" cy="3657600"/>
           </a:xfrm>
         </p:spPr>
         <p:txBody>
           <a:bodyPr>
-            <a:normAutofit/>
+            <a:normAutofit fontScale="85000" lnSpcReduction="10000"/>
           </a:bodyPr>
           <a:lstStyle/>
           <a:p>
-            <a:pPr marL="0" indent="0" algn="ctr">
+            <a:pPr marL="0" indent="0">
               <a:buNone/>
             </a:pPr>
             <a:r>
               <a:rPr lang="it-IT" dirty="0"/>
-              <a:t>Ogni operazione dell’applicativo può essere sintetizzata con il seguente schema:</a:t>
+              <a:t>Iterazione tra gli oggetti  per la creazione di un evento.</a:t>
             </a:r>
           </a:p>
           <a:p>
@@ -15497,531 +15689,45 @@
             </a:pPr>
             <a:endParaRPr lang="it-IT" dirty="0"/>
           </a:p>
+          <a:p>
+            <a:pPr marL="0" indent="0">
+              <a:buNone/>
+            </a:pPr>
+            <a:r>
+              <a:rPr lang="it-IT" dirty="0"/>
+              <a:t>NB. L’oggetto </a:t>
+            </a:r>
+            <a:r>
+              <a:rPr lang="it-IT" dirty="0" err="1"/>
+              <a:t>view</a:t>
+            </a:r>
+            <a:r>
+              <a:rPr lang="it-IT" dirty="0"/>
+              <a:t>, introdotto per migliorare la leggibilità, è un </a:t>
+            </a:r>
+            <a:r>
+              <a:rPr lang="it-IT" dirty="0" err="1"/>
+              <a:t>boundary</a:t>
+            </a:r>
+            <a:r>
+              <a:rPr lang="it-IT" dirty="0"/>
+              <a:t> contenitore di tutti gli oggetti </a:t>
+            </a:r>
+            <a:r>
+              <a:rPr lang="it-IT" dirty="0" err="1"/>
+              <a:t>boundary</a:t>
+            </a:r>
+            <a:r>
+              <a:rPr lang="it-IT" dirty="0"/>
+              <a:t> con cui può interagire l’admin. </a:t>
+            </a:r>
+          </a:p>
         </p:txBody>
       </p:sp>
-      <p:sp>
-        <p:nvSpPr>
-          <p:cNvPr id="8" name="CasellaDiTesto 7">
-            <a:extLst>
-              <a:ext uri="{FF2B5EF4-FFF2-40B4-BE49-F238E27FC236}">
-                <a16:creationId xmlns:a16="http://schemas.microsoft.com/office/drawing/2014/main" id="{33272D0E-E02C-48AD-A5BC-2E3B288BB09A}"/>
-              </a:ext>
-            </a:extLst>
-          </p:cNvPr>
-          <p:cNvSpPr txBox="1"/>
-          <p:nvPr/>
-        </p:nvSpPr>
-        <p:spPr>
-          <a:xfrm>
-            <a:off x="428120" y="3631322"/>
-            <a:ext cx="2243069" cy="1938992"/>
-          </a:xfrm>
-          <a:prstGeom prst="rect">
-            <a:avLst/>
-          </a:prstGeom>
-          <a:noFill/>
-          <a:ln>
-            <a:solidFill>
-              <a:schemeClr val="tx1"/>
-            </a:solidFill>
-          </a:ln>
-        </p:spPr>
-        <p:style>
-          <a:lnRef idx="2">
-            <a:schemeClr val="dk1"/>
-          </a:lnRef>
-          <a:fillRef idx="1">
-            <a:schemeClr val="lt1"/>
-          </a:fillRef>
-          <a:effectRef idx="0">
-            <a:schemeClr val="dk1"/>
-          </a:effectRef>
-          <a:fontRef idx="minor">
-            <a:schemeClr val="dk1"/>
-          </a:fontRef>
-        </p:style>
-        <p:txBody>
-          <a:bodyPr wrap="square" rtlCol="0">
-            <a:spAutoFit/>
-          </a:bodyPr>
-          <a:lstStyle/>
-          <a:p>
-            <a:r>
-              <a:rPr lang="it-IT" sz="2000" dirty="0">
-                <a:solidFill>
-                  <a:schemeClr val="tx1"/>
-                </a:solidFill>
-              </a:rPr>
-              <a:t>Amministratore inserisce dati all’interno dell’applicativo</a:t>
-            </a:r>
-          </a:p>
-          <a:p>
-            <a:endParaRPr lang="it-IT" sz="2000" b="1" dirty="0">
-              <a:solidFill>
-                <a:schemeClr val="tx1"/>
-              </a:solidFill>
-            </a:endParaRPr>
-          </a:p>
-          <a:p>
-            <a:endParaRPr lang="it-IT" sz="2000" b="1" dirty="0">
-              <a:solidFill>
-                <a:schemeClr val="tx1"/>
-              </a:solidFill>
-            </a:endParaRPr>
-          </a:p>
-        </p:txBody>
-      </p:sp>
-      <p:cxnSp>
-        <p:nvCxnSpPr>
-          <p:cNvPr id="9" name="Connettore 2 8">
-            <a:extLst>
-              <a:ext uri="{FF2B5EF4-FFF2-40B4-BE49-F238E27FC236}">
-                <a16:creationId xmlns:a16="http://schemas.microsoft.com/office/drawing/2014/main" id="{8E8D3794-B754-49B7-8AB5-3FE5BDF3AD77}"/>
-              </a:ext>
-            </a:extLst>
-          </p:cNvPr>
-          <p:cNvCxnSpPr>
-            <a:cxnSpLocks/>
-          </p:cNvCxnSpPr>
-          <p:nvPr/>
-        </p:nvCxnSpPr>
-        <p:spPr>
-          <a:xfrm>
-            <a:off x="2671189" y="4206944"/>
-            <a:ext cx="1008578" cy="0"/>
-          </a:xfrm>
-          <a:prstGeom prst="straightConnector1">
-            <a:avLst/>
-          </a:prstGeom>
-          <a:ln>
-            <a:tailEnd type="triangle"/>
-          </a:ln>
-        </p:spPr>
-        <p:style>
-          <a:lnRef idx="1">
-            <a:schemeClr val="accent1"/>
-          </a:lnRef>
-          <a:fillRef idx="0">
-            <a:schemeClr val="accent1"/>
-          </a:fillRef>
-          <a:effectRef idx="0">
-            <a:schemeClr val="accent1"/>
-          </a:effectRef>
-          <a:fontRef idx="minor">
-            <a:schemeClr val="tx1"/>
-          </a:fontRef>
-        </p:style>
-      </p:cxnSp>
-      <p:sp>
-        <p:nvSpPr>
-          <p:cNvPr id="11" name="CasellaDiTesto 10">
-            <a:extLst>
-              <a:ext uri="{FF2B5EF4-FFF2-40B4-BE49-F238E27FC236}">
-                <a16:creationId xmlns:a16="http://schemas.microsoft.com/office/drawing/2014/main" id="{C5CB7EB4-CED1-4CB4-BF3C-0B693336FE9B}"/>
-              </a:ext>
-            </a:extLst>
-          </p:cNvPr>
-          <p:cNvSpPr txBox="1"/>
-          <p:nvPr/>
-        </p:nvSpPr>
-        <p:spPr>
-          <a:xfrm>
-            <a:off x="3716137" y="3631322"/>
-            <a:ext cx="2243069" cy="1938992"/>
-          </a:xfrm>
-          <a:prstGeom prst="rect">
-            <a:avLst/>
-          </a:prstGeom>
-          <a:noFill/>
-          <a:ln>
-            <a:solidFill>
-              <a:schemeClr val="tx1"/>
-            </a:solidFill>
-          </a:ln>
-        </p:spPr>
-        <p:style>
-          <a:lnRef idx="2">
-            <a:schemeClr val="dk1"/>
-          </a:lnRef>
-          <a:fillRef idx="1">
-            <a:schemeClr val="lt1"/>
-          </a:fillRef>
-          <a:effectRef idx="0">
-            <a:schemeClr val="dk1"/>
-          </a:effectRef>
-          <a:fontRef idx="minor">
-            <a:schemeClr val="dk1"/>
-          </a:fontRef>
-        </p:style>
-        <p:txBody>
-          <a:bodyPr wrap="square" rtlCol="0">
-            <a:spAutoFit/>
-          </a:bodyPr>
-          <a:lstStyle/>
-          <a:p>
-            <a:r>
-              <a:rPr lang="it-IT" sz="2000" dirty="0">
-                <a:solidFill>
-                  <a:schemeClr val="tx1"/>
-                </a:solidFill>
-              </a:rPr>
-              <a:t>L’oggetto </a:t>
-            </a:r>
-            <a:r>
-              <a:rPr lang="it-IT" sz="2000" dirty="0" err="1">
-                <a:solidFill>
-                  <a:schemeClr val="tx1"/>
-                </a:solidFill>
-              </a:rPr>
-              <a:t>boundary</a:t>
-            </a:r>
-            <a:r>
-              <a:rPr lang="it-IT" sz="2000" dirty="0">
-                <a:solidFill>
-                  <a:schemeClr val="tx1"/>
-                </a:solidFill>
-              </a:rPr>
-              <a:t> delegato comunica al controllore i dati inseriti</a:t>
-            </a:r>
-          </a:p>
-          <a:p>
-            <a:endParaRPr lang="it-IT" sz="2000" dirty="0">
-              <a:solidFill>
-                <a:schemeClr val="tx1"/>
-              </a:solidFill>
-            </a:endParaRPr>
-          </a:p>
-          <a:p>
-            <a:endParaRPr lang="it-IT" sz="2000" dirty="0">
-              <a:solidFill>
-                <a:schemeClr val="tx1"/>
-              </a:solidFill>
-            </a:endParaRPr>
-          </a:p>
-        </p:txBody>
-      </p:sp>
-      <p:sp>
-        <p:nvSpPr>
-          <p:cNvPr id="12" name="CasellaDiTesto 11">
-            <a:extLst>
-              <a:ext uri="{FF2B5EF4-FFF2-40B4-BE49-F238E27FC236}">
-                <a16:creationId xmlns:a16="http://schemas.microsoft.com/office/drawing/2014/main" id="{6608B9DD-E7FE-46FB-952D-169D5FCA1636}"/>
-              </a:ext>
-            </a:extLst>
-          </p:cNvPr>
-          <p:cNvSpPr txBox="1"/>
-          <p:nvPr/>
-        </p:nvSpPr>
-        <p:spPr>
-          <a:xfrm>
-            <a:off x="6677009" y="3631322"/>
-            <a:ext cx="2243069" cy="1938992"/>
-          </a:xfrm>
-          <a:prstGeom prst="rect">
-            <a:avLst/>
-          </a:prstGeom>
-          <a:noFill/>
-          <a:ln>
-            <a:solidFill>
-              <a:schemeClr val="tx1"/>
-            </a:solidFill>
-          </a:ln>
-        </p:spPr>
-        <p:style>
-          <a:lnRef idx="2">
-            <a:schemeClr val="dk1"/>
-          </a:lnRef>
-          <a:fillRef idx="1">
-            <a:schemeClr val="lt1"/>
-          </a:fillRef>
-          <a:effectRef idx="0">
-            <a:schemeClr val="dk1"/>
-          </a:effectRef>
-          <a:fontRef idx="minor">
-            <a:schemeClr val="dk1"/>
-          </a:fontRef>
-        </p:style>
-        <p:txBody>
-          <a:bodyPr wrap="square" rtlCol="0">
-            <a:spAutoFit/>
-          </a:bodyPr>
-          <a:lstStyle/>
-          <a:p>
-            <a:r>
-              <a:rPr lang="it-IT" sz="2000" dirty="0">
-                <a:solidFill>
-                  <a:schemeClr val="tx1"/>
-                </a:solidFill>
-              </a:rPr>
-              <a:t>Controllore elabora i dati e, ove necessario, comunica con il DAO correlato ai dati elaborati</a:t>
-            </a:r>
-          </a:p>
-        </p:txBody>
-      </p:sp>
-      <p:sp>
-        <p:nvSpPr>
-          <p:cNvPr id="14" name="CasellaDiTesto 13">
-            <a:extLst>
-              <a:ext uri="{FF2B5EF4-FFF2-40B4-BE49-F238E27FC236}">
-                <a16:creationId xmlns:a16="http://schemas.microsoft.com/office/drawing/2014/main" id="{E9F8C877-E8A6-4554-BC3F-5DA85C1DA2F6}"/>
-              </a:ext>
-            </a:extLst>
-          </p:cNvPr>
-          <p:cNvSpPr txBox="1"/>
-          <p:nvPr/>
-        </p:nvSpPr>
-        <p:spPr>
-          <a:xfrm>
-            <a:off x="9636571" y="3631322"/>
-            <a:ext cx="2243069" cy="1938992"/>
-          </a:xfrm>
-          <a:prstGeom prst="rect">
-            <a:avLst/>
-          </a:prstGeom>
-          <a:noFill/>
-          <a:ln>
-            <a:solidFill>
-              <a:schemeClr val="tx1"/>
-            </a:solidFill>
-          </a:ln>
-        </p:spPr>
-        <p:style>
-          <a:lnRef idx="2">
-            <a:schemeClr val="dk1"/>
-          </a:lnRef>
-          <a:fillRef idx="1">
-            <a:schemeClr val="lt1"/>
-          </a:fillRef>
-          <a:effectRef idx="0">
-            <a:schemeClr val="dk1"/>
-          </a:effectRef>
-          <a:fontRef idx="minor">
-            <a:schemeClr val="dk1"/>
-          </a:fontRef>
-        </p:style>
-        <p:txBody>
-          <a:bodyPr wrap="square" rtlCol="0">
-            <a:spAutoFit/>
-          </a:bodyPr>
-          <a:lstStyle/>
-          <a:p>
-            <a:r>
-              <a:rPr lang="it-IT" sz="2000" dirty="0">
-                <a:solidFill>
-                  <a:schemeClr val="tx1"/>
-                </a:solidFill>
-              </a:rPr>
-              <a:t>Il DAO effettua, ove necessario, operazioni CRUD con i dati ricevuti ed invia eventuale risposta.</a:t>
-            </a:r>
-          </a:p>
-        </p:txBody>
-      </p:sp>
-      <p:cxnSp>
-        <p:nvCxnSpPr>
-          <p:cNvPr id="15" name="Connettore 2 14">
-            <a:extLst>
-              <a:ext uri="{FF2B5EF4-FFF2-40B4-BE49-F238E27FC236}">
-                <a16:creationId xmlns:a16="http://schemas.microsoft.com/office/drawing/2014/main" id="{94EE5DAE-C384-453C-A9F6-40AE5BA5DED5}"/>
-              </a:ext>
-            </a:extLst>
-          </p:cNvPr>
-          <p:cNvCxnSpPr>
-            <a:cxnSpLocks/>
-          </p:cNvCxnSpPr>
-          <p:nvPr/>
-        </p:nvCxnSpPr>
-        <p:spPr>
-          <a:xfrm>
-            <a:off x="5959206" y="4206944"/>
-            <a:ext cx="717803" cy="0"/>
-          </a:xfrm>
-          <a:prstGeom prst="straightConnector1">
-            <a:avLst/>
-          </a:prstGeom>
-          <a:ln>
-            <a:tailEnd type="triangle"/>
-          </a:ln>
-        </p:spPr>
-        <p:style>
-          <a:lnRef idx="1">
-            <a:schemeClr val="accent1"/>
-          </a:lnRef>
-          <a:fillRef idx="0">
-            <a:schemeClr val="accent1"/>
-          </a:fillRef>
-          <a:effectRef idx="0">
-            <a:schemeClr val="accent1"/>
-          </a:effectRef>
-          <a:fontRef idx="minor">
-            <a:schemeClr val="tx1"/>
-          </a:fontRef>
-        </p:style>
-      </p:cxnSp>
-      <p:cxnSp>
-        <p:nvCxnSpPr>
-          <p:cNvPr id="16" name="Connettore 2 15">
-            <a:extLst>
-              <a:ext uri="{FF2B5EF4-FFF2-40B4-BE49-F238E27FC236}">
-                <a16:creationId xmlns:a16="http://schemas.microsoft.com/office/drawing/2014/main" id="{1211697B-BB3A-4CEA-98E3-2C687B85C092}"/>
-              </a:ext>
-            </a:extLst>
-          </p:cNvPr>
-          <p:cNvCxnSpPr>
-            <a:cxnSpLocks/>
-          </p:cNvCxnSpPr>
-          <p:nvPr/>
-        </p:nvCxnSpPr>
-        <p:spPr>
-          <a:xfrm>
-            <a:off x="8920078" y="4206944"/>
-            <a:ext cx="702977" cy="0"/>
-          </a:xfrm>
-          <a:prstGeom prst="straightConnector1">
-            <a:avLst/>
-          </a:prstGeom>
-          <a:ln>
-            <a:tailEnd type="triangle"/>
-          </a:ln>
-        </p:spPr>
-        <p:style>
-          <a:lnRef idx="1">
-            <a:schemeClr val="accent1"/>
-          </a:lnRef>
-          <a:fillRef idx="0">
-            <a:schemeClr val="accent1"/>
-          </a:fillRef>
-          <a:effectRef idx="0">
-            <a:schemeClr val="accent1"/>
-          </a:effectRef>
-          <a:fontRef idx="minor">
-            <a:schemeClr val="tx1"/>
-          </a:fontRef>
-        </p:style>
-      </p:cxnSp>
-      <p:cxnSp>
-        <p:nvCxnSpPr>
-          <p:cNvPr id="17" name="Connettore 2 16">
-            <a:extLst>
-              <a:ext uri="{FF2B5EF4-FFF2-40B4-BE49-F238E27FC236}">
-                <a16:creationId xmlns:a16="http://schemas.microsoft.com/office/drawing/2014/main" id="{6B3DF4C0-EC80-46C7-8AAE-E7115C6D5DED}"/>
-              </a:ext>
-            </a:extLst>
-          </p:cNvPr>
-          <p:cNvCxnSpPr/>
-          <p:nvPr/>
-        </p:nvCxnSpPr>
-        <p:spPr>
-          <a:xfrm flipH="1">
-            <a:off x="8920077" y="4600818"/>
-            <a:ext cx="702977" cy="0"/>
-          </a:xfrm>
-          <a:prstGeom prst="straightConnector1">
-            <a:avLst/>
-          </a:prstGeom>
-          <a:ln>
-            <a:tailEnd type="triangle"/>
-          </a:ln>
-        </p:spPr>
-        <p:style>
-          <a:lnRef idx="1">
-            <a:schemeClr val="accent1"/>
-          </a:lnRef>
-          <a:fillRef idx="0">
-            <a:schemeClr val="accent1"/>
-          </a:fillRef>
-          <a:effectRef idx="0">
-            <a:schemeClr val="accent1"/>
-          </a:effectRef>
-          <a:fontRef idx="minor">
-            <a:schemeClr val="tx1"/>
-          </a:fontRef>
-        </p:style>
-      </p:cxnSp>
-      <p:cxnSp>
-        <p:nvCxnSpPr>
-          <p:cNvPr id="18" name="Connettore 2 17">
-            <a:extLst>
-              <a:ext uri="{FF2B5EF4-FFF2-40B4-BE49-F238E27FC236}">
-                <a16:creationId xmlns:a16="http://schemas.microsoft.com/office/drawing/2014/main" id="{4DB0C06E-615D-4BBB-8401-FB898AA5E621}"/>
-              </a:ext>
-            </a:extLst>
-          </p:cNvPr>
-          <p:cNvCxnSpPr>
-            <a:cxnSpLocks/>
-            <a:endCxn id="11" idx="3"/>
-          </p:cNvCxnSpPr>
-          <p:nvPr/>
-        </p:nvCxnSpPr>
-        <p:spPr>
-          <a:xfrm flipH="1" flipV="1">
-            <a:off x="5959206" y="4600818"/>
-            <a:ext cx="679218" cy="4702"/>
-          </a:xfrm>
-          <a:prstGeom prst="straightConnector1">
-            <a:avLst/>
-          </a:prstGeom>
-          <a:ln>
-            <a:tailEnd type="triangle"/>
-          </a:ln>
-        </p:spPr>
-        <p:style>
-          <a:lnRef idx="1">
-            <a:schemeClr val="accent1"/>
-          </a:lnRef>
-          <a:fillRef idx="0">
-            <a:schemeClr val="accent1"/>
-          </a:fillRef>
-          <a:effectRef idx="0">
-            <a:schemeClr val="accent1"/>
-          </a:effectRef>
-          <a:fontRef idx="minor">
-            <a:schemeClr val="tx1"/>
-          </a:fontRef>
-        </p:style>
-      </p:cxnSp>
-      <p:cxnSp>
-        <p:nvCxnSpPr>
-          <p:cNvPr id="19" name="Connettore 2 18">
-            <a:extLst>
-              <a:ext uri="{FF2B5EF4-FFF2-40B4-BE49-F238E27FC236}">
-                <a16:creationId xmlns:a16="http://schemas.microsoft.com/office/drawing/2014/main" id="{CFC1E3D2-D27D-49B5-AF98-B6EC43013EAC}"/>
-              </a:ext>
-            </a:extLst>
-          </p:cNvPr>
-          <p:cNvCxnSpPr/>
-          <p:nvPr/>
-        </p:nvCxnSpPr>
-        <p:spPr>
-          <a:xfrm flipH="1">
-            <a:off x="2671189" y="4605515"/>
-            <a:ext cx="1008578" cy="0"/>
-          </a:xfrm>
-          <a:prstGeom prst="straightConnector1">
-            <a:avLst/>
-          </a:prstGeom>
-          <a:ln>
-            <a:tailEnd type="triangle"/>
-          </a:ln>
-        </p:spPr>
-        <p:style>
-          <a:lnRef idx="1">
-            <a:schemeClr val="accent1"/>
-          </a:lnRef>
-          <a:fillRef idx="0">
-            <a:schemeClr val="accent1"/>
-          </a:fillRef>
-          <a:effectRef idx="0">
-            <a:schemeClr val="accent1"/>
-          </a:effectRef>
-          <a:fontRef idx="minor">
-            <a:schemeClr val="tx1"/>
-          </a:fontRef>
-        </p:style>
-      </p:cxnSp>
     </p:spTree>
     <p:extLst>
       <p:ext uri="{BB962C8B-B14F-4D97-AF65-F5344CB8AC3E}">
-        <p14:creationId xmlns:p14="http://schemas.microsoft.com/office/powerpoint/2010/main" val="438941452"/>
+        <p14:creationId xmlns:p14="http://schemas.microsoft.com/office/powerpoint/2010/main" val="3561806800"/>
       </p:ext>
     </p:extLst>
   </p:cSld>
@@ -16053,7 +15759,7 @@
           <p:cNvPr id="2" name="Titolo 1">
             <a:extLst>
               <a:ext uri="{FF2B5EF4-FFF2-40B4-BE49-F238E27FC236}">
-                <a16:creationId xmlns:a16="http://schemas.microsoft.com/office/drawing/2014/main" id="{FAA278D2-9314-4D09-A262-6AED20353A89}"/>
+                <a16:creationId xmlns:a16="http://schemas.microsoft.com/office/drawing/2014/main" id="{477756DB-818A-4590-9E9D-A4F149BFA909}"/>
               </a:ext>
             </a:extLst>
           </p:cNvPr>
@@ -16066,34 +15772,35 @@
         </p:nvSpPr>
         <p:spPr>
           <a:xfrm>
-            <a:off x="966952" y="1204108"/>
-            <a:ext cx="2669406" cy="1781175"/>
+            <a:off x="669926" y="575656"/>
+            <a:ext cx="3887787" cy="1478570"/>
           </a:xfrm>
         </p:spPr>
         <p:txBody>
-          <a:bodyPr>
-            <a:normAutofit/>
-          </a:bodyPr>
+          <a:bodyPr/>
           <a:lstStyle/>
           <a:p>
-            <a:pPr algn="ctr"/>
-            <a:r>
-              <a:rPr lang="it-IT" sz="3600" b="1" dirty="0">
-                <a:solidFill>
-                  <a:srgbClr val="FFFFFF"/>
-                </a:solidFill>
-              </a:rPr>
-              <a:t>DAO</a:t>
+            <a:r>
+              <a:rPr lang="it-IT" b="1" dirty="0" err="1"/>
+              <a:t>fACTORY</a:t>
+            </a:r>
+            <a:r>
+              <a:rPr lang="it-IT" dirty="0"/>
+              <a:t> </a:t>
+            </a:r>
+            <a:r>
+              <a:rPr lang="it-IT" b="1" dirty="0"/>
+              <a:t>PATTERN</a:t>
             </a:r>
           </a:p>
         </p:txBody>
       </p:sp>
       <p:sp>
         <p:nvSpPr>
-          <p:cNvPr id="10" name="Content Placeholder 9">
+          <p:cNvPr id="3" name="Segnaposto contenuto 2">
             <a:extLst>
               <a:ext uri="{FF2B5EF4-FFF2-40B4-BE49-F238E27FC236}">
-                <a16:creationId xmlns:a16="http://schemas.microsoft.com/office/drawing/2014/main" id="{2217E7E5-712F-4A17-A56F-756F2190818B}"/>
+                <a16:creationId xmlns:a16="http://schemas.microsoft.com/office/drawing/2014/main" id="{431F82A6-6126-4F5A-AE9B-C63318DA2904}"/>
               </a:ext>
             </a:extLst>
           </p:cNvPr>
@@ -16106,24 +15813,86 @@
         </p:nvSpPr>
         <p:spPr>
           <a:xfrm>
-            <a:off x="717422" y="3355130"/>
-            <a:ext cx="3342509" cy="3085427"/>
+            <a:off x="785814" y="1949449"/>
+            <a:ext cx="3300412" cy="3541714"/>
           </a:xfrm>
         </p:spPr>
         <p:txBody>
-          <a:bodyPr>
-            <a:normAutofit/>
-          </a:bodyPr>
+          <a:bodyPr/>
           <a:lstStyle/>
           <a:p>
-            <a:endParaRPr lang="it-IT" dirty="0"/>
+            <a:pPr marL="0" indent="0">
+              <a:buNone/>
+            </a:pPr>
+            <a:r>
+              <a:rPr lang="it-IT" dirty="0"/>
+              <a:t>Il </a:t>
+            </a:r>
+            <a:r>
+              <a:rPr lang="it-IT" dirty="0" err="1"/>
+              <a:t>factory</a:t>
+            </a:r>
+            <a:r>
+              <a:rPr lang="it-IT" dirty="0"/>
+              <a:t> è un pattern </a:t>
+            </a:r>
+            <a:r>
+              <a:rPr lang="it-IT" dirty="0" err="1"/>
+              <a:t>creazionale</a:t>
+            </a:r>
+            <a:r>
+              <a:rPr lang="it-IT" dirty="0"/>
+              <a:t> che è stato utilizzato per la generazione dei grafici  delle statistiche nel software desktop.</a:t>
+            </a:r>
           </a:p>
         </p:txBody>
       </p:sp>
+      <p:pic>
+        <p:nvPicPr>
+          <p:cNvPr id="5" name="Immagine 4">
+            <a:extLst>
+              <a:ext uri="{FF2B5EF4-FFF2-40B4-BE49-F238E27FC236}">
+                <a16:creationId xmlns:a16="http://schemas.microsoft.com/office/drawing/2014/main" id="{A1E29BC4-6CFC-4A79-95BB-A141403CD7C5}"/>
+              </a:ext>
+            </a:extLst>
+          </p:cNvPr>
+          <p:cNvPicPr>
+            <a:picLocks noChangeAspect="1"/>
+          </p:cNvPicPr>
+          <p:nvPr/>
+        </p:nvPicPr>
+        <p:blipFill>
+          <a:blip r:embed="rId3">
+            <a:extLst>
+              <a:ext uri="{28A0092B-C50C-407E-A947-70E740481C1C}">
+                <a14:useLocalDpi xmlns:a14="http://schemas.microsoft.com/office/drawing/2010/main" val="0"/>
+              </a:ext>
+            </a:extLst>
+          </a:blip>
+          <a:stretch>
+            <a:fillRect/>
+          </a:stretch>
+        </p:blipFill>
+        <p:spPr>
+          <a:xfrm>
+            <a:off x="5291136" y="1343025"/>
+            <a:ext cx="6115050" cy="4148138"/>
+          </a:xfrm>
+          <a:prstGeom prst="rect">
+            <a:avLst/>
+          </a:prstGeom>
+          <a:ln>
+            <a:noFill/>
+          </a:ln>
+          <a:effectLst>
+            <a:softEdge rad="112500"/>
+          </a:effectLst>
+        </p:spPr>
+      </p:pic>
     </p:spTree>
     <p:extLst>
       <p:ext uri="{BB962C8B-B14F-4D97-AF65-F5344CB8AC3E}">
-        <p14:creationId xmlns:p14="http://schemas.microsoft.com/office/powerpoint/2010/main" val="3561806800"/>
+        <p14:creationId xmlns:p14="http://schemas.microsoft.com/office/powerpoint/2010/main" val="1220657612"/>
       </p:ext>
     </p:extLst>
   </p:cSld>
@@ -16134,6 +15903,430 @@
 </file>
 
 <file path=ppt/slides/slide14.xml><?xml version="1.0" encoding="utf-8"?>
+<p:sld xmlns:a="http://schemas.openxmlformats.org/drawingml/2006/main" xmlns:r="http://schemas.openxmlformats.org/officeDocument/2006/relationships" xmlns:p="http://schemas.openxmlformats.org/presentationml/2006/main">
+  <p:cSld>
+    <p:spTree>
+      <p:nvGrpSpPr>
+        <p:cNvPr id="1" name=""/>
+        <p:cNvGrpSpPr/>
+        <p:nvPr/>
+      </p:nvGrpSpPr>
+      <p:grpSpPr>
+        <a:xfrm>
+          <a:off x="0" y="0"/>
+          <a:ext cx="0" cy="0"/>
+          <a:chOff x="0" y="0"/>
+          <a:chExt cx="0" cy="0"/>
+        </a:xfrm>
+      </p:grpSpPr>
+      <p:sp>
+        <p:nvSpPr>
+          <p:cNvPr id="2" name="Titolo 1">
+            <a:extLst>
+              <a:ext uri="{FF2B5EF4-FFF2-40B4-BE49-F238E27FC236}">
+                <a16:creationId xmlns:a16="http://schemas.microsoft.com/office/drawing/2014/main" id="{CFA31747-BD61-467A-ABD3-AE46DAFED722}"/>
+              </a:ext>
+            </a:extLst>
+          </p:cNvPr>
+          <p:cNvSpPr>
+            <a:spLocks noGrp="1"/>
+          </p:cNvSpPr>
+          <p:nvPr>
+            <p:ph type="title"/>
+          </p:nvPr>
+        </p:nvSpPr>
+        <p:spPr>
+          <a:xfrm>
+            <a:off x="1012825" y="618518"/>
+            <a:ext cx="3730625" cy="1202344"/>
+          </a:xfrm>
+        </p:spPr>
+        <p:txBody>
+          <a:bodyPr/>
+          <a:lstStyle/>
+          <a:p>
+            <a:r>
+              <a:rPr lang="it-IT" dirty="0"/>
+              <a:t>Pattern MVC</a:t>
+            </a:r>
+          </a:p>
+        </p:txBody>
+      </p:sp>
+      <p:sp>
+        <p:nvSpPr>
+          <p:cNvPr id="3" name="Segnaposto contenuto 2">
+            <a:extLst>
+              <a:ext uri="{FF2B5EF4-FFF2-40B4-BE49-F238E27FC236}">
+                <a16:creationId xmlns:a16="http://schemas.microsoft.com/office/drawing/2014/main" id="{BD968A55-A927-4E9C-9778-9EF9806AF04A}"/>
+              </a:ext>
+            </a:extLst>
+          </p:cNvPr>
+          <p:cNvSpPr>
+            <a:spLocks noGrp="1"/>
+          </p:cNvSpPr>
+          <p:nvPr>
+            <p:ph idx="1"/>
+          </p:nvPr>
+        </p:nvSpPr>
+        <p:spPr>
+          <a:xfrm>
+            <a:off x="1012825" y="1820862"/>
+            <a:ext cx="3730625" cy="3541714"/>
+          </a:xfrm>
+        </p:spPr>
+        <p:txBody>
+          <a:bodyPr>
+            <a:noAutofit/>
+          </a:bodyPr>
+          <a:lstStyle/>
+          <a:p>
+            <a:pPr marL="0" indent="0">
+              <a:buNone/>
+            </a:pPr>
+            <a:r>
+              <a:rPr lang="it-IT" sz="1400" b="1" dirty="0"/>
+              <a:t>MVC</a:t>
+            </a:r>
+            <a:r>
+              <a:rPr lang="it-IT" sz="1400" dirty="0"/>
+              <a:t> è un pattern architetturale composto da tre tipi di oggetti : </a:t>
+            </a:r>
+          </a:p>
+          <a:p>
+            <a:r>
+              <a:rPr lang="it-IT" sz="1400" b="1" dirty="0"/>
+              <a:t>Model</a:t>
+            </a:r>
+            <a:r>
+              <a:rPr lang="it-IT" sz="1400" dirty="0"/>
+              <a:t> : insieme dei componenti che mantengono lo "stato": i dati e i metodi per accedervi.</a:t>
+            </a:r>
+          </a:p>
+          <a:p>
+            <a:r>
+              <a:rPr lang="it-IT" sz="1400" b="1" dirty="0" err="1"/>
+              <a:t>View</a:t>
+            </a:r>
+            <a:r>
+              <a:rPr lang="it-IT" sz="1400" dirty="0"/>
+              <a:t>: deputato alla visualizzazione vera e propria dell'interfaccia utente per la presentazione dei dati</a:t>
+            </a:r>
+          </a:p>
+          <a:p>
+            <a:r>
+              <a:rPr lang="it-IT" sz="1400" dirty="0"/>
+              <a:t> </a:t>
+            </a:r>
+            <a:r>
+              <a:rPr lang="it-IT" sz="1400" b="1" dirty="0"/>
+              <a:t>Controller</a:t>
+            </a:r>
+            <a:r>
+              <a:rPr lang="it-IT" sz="1400" dirty="0"/>
+              <a:t>: gestisce le interazioni dell'utente con la </a:t>
+            </a:r>
+            <a:r>
+              <a:rPr lang="it-IT" sz="1400" dirty="0" err="1"/>
+              <a:t>View</a:t>
+            </a:r>
+            <a:r>
+              <a:rPr lang="it-IT" sz="1400" dirty="0"/>
+              <a:t> e comunica al model l’azione intrapresa.</a:t>
+            </a:r>
+          </a:p>
+          <a:p>
+            <a:endParaRPr lang="it-IT" sz="1400" dirty="0"/>
+          </a:p>
+          <a:p>
+            <a:pPr marL="0" indent="0">
+              <a:buNone/>
+            </a:pPr>
+            <a:r>
+              <a:rPr lang="it-IT" sz="1400" dirty="0"/>
+              <a:t>E’ stato utilizzato come pattern architetturale dell’applicazione mobile.</a:t>
+            </a:r>
+          </a:p>
+          <a:p>
+            <a:pPr marL="0" indent="0">
+              <a:buNone/>
+            </a:pPr>
+            <a:endParaRPr lang="it-IT" sz="1400" dirty="0"/>
+          </a:p>
+        </p:txBody>
+      </p:sp>
+      <p:pic>
+        <p:nvPicPr>
+          <p:cNvPr id="5" name="Immagine 4">
+            <a:extLst>
+              <a:ext uri="{FF2B5EF4-FFF2-40B4-BE49-F238E27FC236}">
+                <a16:creationId xmlns:a16="http://schemas.microsoft.com/office/drawing/2014/main" id="{0DC1159D-2972-49AB-A295-63B15B3B04E5}"/>
+              </a:ext>
+            </a:extLst>
+          </p:cNvPr>
+          <p:cNvPicPr>
+            <a:picLocks noChangeAspect="1"/>
+          </p:cNvPicPr>
+          <p:nvPr/>
+        </p:nvPicPr>
+        <p:blipFill>
+          <a:blip r:embed="rId2">
+            <a:extLst>
+              <a:ext uri="{28A0092B-C50C-407E-A947-70E740481C1C}">
+                <a14:useLocalDpi xmlns:a14="http://schemas.microsoft.com/office/drawing/2010/main" val="0"/>
+              </a:ext>
+            </a:extLst>
+          </a:blip>
+          <a:stretch>
+            <a:fillRect/>
+          </a:stretch>
+        </p:blipFill>
+        <p:spPr>
+          <a:xfrm>
+            <a:off x="4943475" y="800101"/>
+            <a:ext cx="6915149" cy="5172074"/>
+          </a:xfrm>
+          <a:prstGeom prst="rect">
+            <a:avLst/>
+          </a:prstGeom>
+          <a:ln>
+            <a:noFill/>
+          </a:ln>
+          <a:effectLst>
+            <a:softEdge rad="112500"/>
+          </a:effectLst>
+        </p:spPr>
+      </p:pic>
+    </p:spTree>
+    <p:extLst>
+      <p:ext uri="{BB962C8B-B14F-4D97-AF65-F5344CB8AC3E}">
+        <p14:creationId xmlns:p14="http://schemas.microsoft.com/office/powerpoint/2010/main" val="2182670192"/>
+      </p:ext>
+    </p:extLst>
+  </p:cSld>
+  <p:clrMapOvr>
+    <a:masterClrMapping/>
+  </p:clrMapOvr>
+</p:sld>
+</file>
+
+<file path=ppt/slides/slide15.xml><?xml version="1.0" encoding="utf-8"?>
+<p:sld xmlns:a="http://schemas.openxmlformats.org/drawingml/2006/main" xmlns:r="http://schemas.openxmlformats.org/officeDocument/2006/relationships" xmlns:p="http://schemas.openxmlformats.org/presentationml/2006/main">
+  <p:cSld>
+    <p:spTree>
+      <p:nvGrpSpPr>
+        <p:cNvPr id="1" name=""/>
+        <p:cNvGrpSpPr/>
+        <p:nvPr/>
+      </p:nvGrpSpPr>
+      <p:grpSpPr>
+        <a:xfrm>
+          <a:off x="0" y="0"/>
+          <a:ext cx="0" cy="0"/>
+          <a:chOff x="0" y="0"/>
+          <a:chExt cx="0" cy="0"/>
+        </a:xfrm>
+      </p:grpSpPr>
+      <p:sp>
+        <p:nvSpPr>
+          <p:cNvPr id="2" name="Titolo 1">
+            <a:extLst>
+              <a:ext uri="{FF2B5EF4-FFF2-40B4-BE49-F238E27FC236}">
+                <a16:creationId xmlns:a16="http://schemas.microsoft.com/office/drawing/2014/main" id="{97BCA4E8-FC54-42F2-A4A6-A01A8A40FAB3}"/>
+              </a:ext>
+            </a:extLst>
+          </p:cNvPr>
+          <p:cNvSpPr>
+            <a:spLocks noGrp="1"/>
+          </p:cNvSpPr>
+          <p:nvPr>
+            <p:ph type="title"/>
+          </p:nvPr>
+        </p:nvSpPr>
+        <p:spPr>
+          <a:xfrm>
+            <a:off x="1141413" y="618518"/>
+            <a:ext cx="2716212" cy="1478570"/>
+          </a:xfrm>
+        </p:spPr>
+        <p:txBody>
+          <a:bodyPr/>
+          <a:lstStyle/>
+          <a:p>
+            <a:r>
+              <a:rPr lang="it-IT" dirty="0" err="1"/>
+              <a:t>Sequence</a:t>
+            </a:r>
+            <a:r>
+              <a:rPr lang="it-IT" dirty="0"/>
+              <a:t> </a:t>
+            </a:r>
+          </a:p>
+        </p:txBody>
+      </p:sp>
+      <p:sp>
+        <p:nvSpPr>
+          <p:cNvPr id="3" name="Segnaposto contenuto 2">
+            <a:extLst>
+              <a:ext uri="{FF2B5EF4-FFF2-40B4-BE49-F238E27FC236}">
+                <a16:creationId xmlns:a16="http://schemas.microsoft.com/office/drawing/2014/main" id="{C4F5689F-DFF0-4155-BAC2-5741C2F38F80}"/>
+              </a:ext>
+            </a:extLst>
+          </p:cNvPr>
+          <p:cNvSpPr>
+            <a:spLocks noGrp="1"/>
+          </p:cNvSpPr>
+          <p:nvPr>
+            <p:ph idx="1"/>
+          </p:nvPr>
+        </p:nvSpPr>
+        <p:spPr>
+          <a:xfrm>
+            <a:off x="1141413" y="2097088"/>
+            <a:ext cx="3344863" cy="3541714"/>
+          </a:xfrm>
+        </p:spPr>
+        <p:txBody>
+          <a:bodyPr/>
+          <a:lstStyle/>
+          <a:p>
+            <a:pPr marL="0" indent="0">
+              <a:buNone/>
+            </a:pPr>
+            <a:r>
+              <a:rPr lang="it-IT" dirty="0"/>
+              <a:t>Iterazione tra gli oggetti per la lettura del QR-Code.</a:t>
+            </a:r>
+          </a:p>
+          <a:p>
+            <a:pPr marL="0" indent="0">
+              <a:buNone/>
+            </a:pPr>
+            <a:endParaRPr lang="it-IT" dirty="0"/>
+          </a:p>
+        </p:txBody>
+      </p:sp>
+      <p:pic>
+        <p:nvPicPr>
+          <p:cNvPr id="5" name="Immagine 4">
+            <a:extLst>
+              <a:ext uri="{FF2B5EF4-FFF2-40B4-BE49-F238E27FC236}">
+                <a16:creationId xmlns:a16="http://schemas.microsoft.com/office/drawing/2014/main" id="{8685698C-7F5D-4119-8687-F7C9266FFDE2}"/>
+              </a:ext>
+            </a:extLst>
+          </p:cNvPr>
+          <p:cNvPicPr>
+            <a:picLocks noChangeAspect="1"/>
+          </p:cNvPicPr>
+          <p:nvPr/>
+        </p:nvPicPr>
+        <p:blipFill>
+          <a:blip r:embed="rId2">
+            <a:extLst>
+              <a:ext uri="{28A0092B-C50C-407E-A947-70E740481C1C}">
+                <a14:useLocalDpi xmlns:a14="http://schemas.microsoft.com/office/drawing/2010/main" val="0"/>
+              </a:ext>
+            </a:extLst>
+          </a:blip>
+          <a:stretch>
+            <a:fillRect/>
+          </a:stretch>
+        </p:blipFill>
+        <p:spPr>
+          <a:xfrm>
+            <a:off x="4589034" y="957263"/>
+            <a:ext cx="7181678" cy="5200650"/>
+          </a:xfrm>
+          <a:prstGeom prst="rect">
+            <a:avLst/>
+          </a:prstGeom>
+          <a:ln>
+            <a:noFill/>
+          </a:ln>
+          <a:effectLst>
+            <a:softEdge rad="112500"/>
+          </a:effectLst>
+        </p:spPr>
+      </p:pic>
+    </p:spTree>
+    <p:extLst>
+      <p:ext uri="{BB962C8B-B14F-4D97-AF65-F5344CB8AC3E}">
+        <p14:creationId xmlns:p14="http://schemas.microsoft.com/office/powerpoint/2010/main" val="224350505"/>
+      </p:ext>
+    </p:extLst>
+  </p:cSld>
+  <p:clrMapOvr>
+    <a:masterClrMapping/>
+  </p:clrMapOvr>
+</p:sld>
+</file>
+
+<file path=ppt/slides/slide16.xml><?xml version="1.0" encoding="utf-8"?>
+<p:sld xmlns:a="http://schemas.openxmlformats.org/drawingml/2006/main" xmlns:r="http://schemas.openxmlformats.org/officeDocument/2006/relationships" xmlns:p="http://schemas.openxmlformats.org/presentationml/2006/main">
+  <p:cSld>
+    <p:spTree>
+      <p:nvGrpSpPr>
+        <p:cNvPr id="1" name=""/>
+        <p:cNvGrpSpPr/>
+        <p:nvPr/>
+      </p:nvGrpSpPr>
+      <p:grpSpPr>
+        <a:xfrm>
+          <a:off x="0" y="0"/>
+          <a:ext cx="0" cy="0"/>
+          <a:chOff x="0" y="0"/>
+          <a:chExt cx="0" cy="0"/>
+        </a:xfrm>
+      </p:grpSpPr>
+      <p:sp>
+        <p:nvSpPr>
+          <p:cNvPr id="2" name="Titolo 1">
+            <a:extLst>
+              <a:ext uri="{FF2B5EF4-FFF2-40B4-BE49-F238E27FC236}">
+                <a16:creationId xmlns:a16="http://schemas.microsoft.com/office/drawing/2014/main" id="{00909E36-9841-4927-B548-17B854E19520}"/>
+              </a:ext>
+            </a:extLst>
+          </p:cNvPr>
+          <p:cNvSpPr>
+            <a:spLocks noGrp="1"/>
+          </p:cNvSpPr>
+          <p:nvPr>
+            <p:ph type="title"/>
+          </p:nvPr>
+        </p:nvSpPr>
+        <p:spPr>
+          <a:xfrm>
+            <a:off x="1143001" y="2689715"/>
+            <a:ext cx="9905998" cy="1478570"/>
+          </a:xfrm>
+        </p:spPr>
+        <p:txBody>
+          <a:bodyPr>
+            <a:normAutofit/>
+          </a:bodyPr>
+          <a:lstStyle/>
+          <a:p>
+            <a:pPr algn="ctr"/>
+            <a:r>
+              <a:rPr lang="it-IT" sz="4000" b="1" dirty="0"/>
+              <a:t>TESTING</a:t>
+            </a:r>
+          </a:p>
+        </p:txBody>
+      </p:sp>
+    </p:spTree>
+    <p:extLst>
+      <p:ext uri="{BB962C8B-B14F-4D97-AF65-F5344CB8AC3E}">
+        <p14:creationId xmlns:p14="http://schemas.microsoft.com/office/powerpoint/2010/main" val="1844343262"/>
+      </p:ext>
+    </p:extLst>
+  </p:cSld>
+  <p:clrMapOvr>
+    <a:masterClrMapping/>
+  </p:clrMapOvr>
+</p:sld>
+</file>
+
+<file path=ppt/slides/slide17.xml><?xml version="1.0" encoding="utf-8"?>
 <p:sld xmlns:a="http://schemas.openxmlformats.org/drawingml/2006/main" xmlns:r="http://schemas.openxmlformats.org/officeDocument/2006/relationships" xmlns:p="http://schemas.openxmlformats.org/presentationml/2006/main">
   <p:cSld>
     <p:spTree>
@@ -17228,7 +17421,7 @@
 </p:sld>
 </file>
 
-<file path=ppt/slides/slide15.xml><?xml version="1.0" encoding="utf-8"?>
+<file path=ppt/slides/slide18.xml><?xml version="1.0" encoding="utf-8"?>
 <p:sld xmlns:a="http://schemas.openxmlformats.org/drawingml/2006/main" xmlns:r="http://schemas.openxmlformats.org/officeDocument/2006/relationships" xmlns:p="http://schemas.openxmlformats.org/presentationml/2006/main">
   <p:cSld>
     <p:spTree>
@@ -17971,7 +18164,7 @@
 </p:sld>
 </file>
 
-<file path=ppt/slides/slide16.xml><?xml version="1.0" encoding="utf-8"?>
+<file path=ppt/slides/slide19.xml><?xml version="1.0" encoding="utf-8"?>
 <p:sld xmlns:a="http://schemas.openxmlformats.org/drawingml/2006/main" xmlns:r="http://schemas.openxmlformats.org/officeDocument/2006/relationships" xmlns:p="http://schemas.openxmlformats.org/presentationml/2006/main">
   <p:cSld>
     <p:spTree>
@@ -18455,7 +18648,226 @@
 </p:sld>
 </file>
 
-<file path=ppt/slides/slide17.xml><?xml version="1.0" encoding="utf-8"?>
+<file path=ppt/slides/slide2.xml><?xml version="1.0" encoding="utf-8"?>
+<p:sld xmlns:a="http://schemas.openxmlformats.org/drawingml/2006/main" xmlns:r="http://schemas.openxmlformats.org/officeDocument/2006/relationships" xmlns:p="http://schemas.openxmlformats.org/presentationml/2006/main">
+  <p:cSld>
+    <p:spTree>
+      <p:nvGrpSpPr>
+        <p:cNvPr id="1" name=""/>
+        <p:cNvGrpSpPr/>
+        <p:nvPr/>
+      </p:nvGrpSpPr>
+      <p:grpSpPr>
+        <a:xfrm>
+          <a:off x="0" y="0"/>
+          <a:ext cx="0" cy="0"/>
+          <a:chOff x="0" y="0"/>
+          <a:chExt cx="0" cy="0"/>
+        </a:xfrm>
+      </p:grpSpPr>
+      <p:sp>
+        <p:nvSpPr>
+          <p:cNvPr id="2" name="Titolo 1">
+            <a:extLst>
+              <a:ext uri="{FF2B5EF4-FFF2-40B4-BE49-F238E27FC236}">
+                <a16:creationId xmlns:a16="http://schemas.microsoft.com/office/drawing/2014/main" id="{58A1403F-9F68-43E8-96E8-E29DBDE7A232}"/>
+              </a:ext>
+            </a:extLst>
+          </p:cNvPr>
+          <p:cNvSpPr>
+            <a:spLocks noGrp="1"/>
+          </p:cNvSpPr>
+          <p:nvPr>
+            <p:ph type="title"/>
+          </p:nvPr>
+        </p:nvSpPr>
+        <p:spPr>
+          <a:xfrm>
+            <a:off x="838200" y="404881"/>
+            <a:ext cx="10515600" cy="390249"/>
+          </a:xfrm>
+        </p:spPr>
+        <p:txBody>
+          <a:bodyPr>
+            <a:normAutofit fontScale="90000"/>
+          </a:bodyPr>
+          <a:lstStyle/>
+          <a:p>
+            <a:pPr algn="ctr"/>
+            <a:r>
+              <a:rPr lang="it-IT" dirty="0"/>
+              <a:t>Descrizione del Progetto</a:t>
+            </a:r>
+          </a:p>
+        </p:txBody>
+      </p:sp>
+      <p:sp>
+        <p:nvSpPr>
+          <p:cNvPr id="3" name="Segnaposto contenuto 2">
+            <a:extLst>
+              <a:ext uri="{FF2B5EF4-FFF2-40B4-BE49-F238E27FC236}">
+                <a16:creationId xmlns:a16="http://schemas.microsoft.com/office/drawing/2014/main" id="{326739A8-C37E-4AC7-8056-415DFB88FE8A}"/>
+              </a:ext>
+            </a:extLst>
+          </p:cNvPr>
+          <p:cNvSpPr>
+            <a:spLocks noGrp="1"/>
+          </p:cNvSpPr>
+          <p:nvPr>
+            <p:ph idx="1"/>
+          </p:nvPr>
+        </p:nvSpPr>
+        <p:spPr>
+          <a:xfrm>
+            <a:off x="838200" y="795131"/>
+            <a:ext cx="10515600" cy="6062870"/>
+          </a:xfrm>
+        </p:spPr>
+        <p:txBody>
+          <a:bodyPr>
+            <a:normAutofit fontScale="85000" lnSpcReduction="10000"/>
+          </a:bodyPr>
+          <a:lstStyle/>
+          <a:p>
+            <a:pPr marL="0" indent="0">
+              <a:buNone/>
+            </a:pPr>
+            <a:r>
+              <a:rPr lang="it-IT" sz="1800" dirty="0"/>
+              <a:t>L’</a:t>
+            </a:r>
+            <a:r>
+              <a:rPr lang="it-IT" sz="1800" i="1" dirty="0"/>
+              <a:t>EM-17 </a:t>
+            </a:r>
+            <a:r>
+              <a:rPr lang="it-IT" sz="1800" dirty="0"/>
+              <a:t>(</a:t>
+            </a:r>
+            <a:r>
+              <a:rPr lang="it-IT" sz="1800" i="1" dirty="0" err="1"/>
+              <a:t>Event</a:t>
+            </a:r>
+            <a:r>
+              <a:rPr lang="it-IT" sz="1800" i="1" dirty="0"/>
+              <a:t> Manager</a:t>
+            </a:r>
+            <a:r>
+              <a:rPr lang="it-IT" sz="1800" dirty="0"/>
+              <a:t>) è un Sistema Informativo complesso e distribuito finalizzato a gestire eventi che coinvolgono una grande partecipazione di pubblico, quali concerti, cinema, teatri, conferenze, etc.. </a:t>
+            </a:r>
+          </a:p>
+          <a:p>
+            <a:pPr marL="0" indent="0">
+              <a:buNone/>
+            </a:pPr>
+            <a:r>
+              <a:rPr lang="it-IT" sz="1800" dirty="0"/>
+              <a:t>Il sistema distribuito presenta una parte di Back-Office per la gestione degli eventi da parte degli amministratori, un Front-End per l’acquisto di un biglietto di un evento da parte di un utente finale, ed un client su dispositivo mobile, utilizzato dai Controllori per verificare la validità degli accessi. </a:t>
+            </a:r>
+          </a:p>
+          <a:p>
+            <a:pPr marL="0" indent="0">
+              <a:buNone/>
+            </a:pPr>
+            <a:r>
+              <a:rPr lang="it-IT" sz="1800" dirty="0"/>
+              <a:t>I principali servizi offerti dal sistema sono 6:</a:t>
+            </a:r>
+          </a:p>
+          <a:p>
+            <a:r>
+              <a:rPr lang="it-IT" sz="1800" dirty="0"/>
+              <a:t>1. Visualizzazione, su un sito web, degli eventi disponibili. </a:t>
+            </a:r>
+          </a:p>
+          <a:p>
+            <a:r>
+              <a:rPr lang="it-IT" sz="1800" dirty="0"/>
+              <a:t>2. Acquisto Biglietto per un evento, dopo la visualizzazione del punto 1. </a:t>
+            </a:r>
+          </a:p>
+          <a:p>
+            <a:r>
+              <a:rPr lang="it-IT" sz="1800" dirty="0"/>
+              <a:t>3. Controllo Accesso all’evento da parte di un addetto alla Security. </a:t>
+            </a:r>
+          </a:p>
+          <a:p>
+            <a:r>
+              <a:rPr lang="it-IT" sz="1800" dirty="0"/>
+              <a:t>4. Gestione degli Eventi </a:t>
+            </a:r>
+          </a:p>
+          <a:p>
+            <a:pPr lvl="1"/>
+            <a:r>
+              <a:rPr lang="it-IT" sz="1600" dirty="0"/>
+              <a:t>a. Inserimento nuovo Evento </a:t>
+            </a:r>
+          </a:p>
+          <a:p>
+            <a:pPr lvl="1"/>
+            <a:r>
+              <a:rPr lang="it-IT" sz="1600" dirty="0"/>
+              <a:t>b. Modifica Evento esistente </a:t>
+            </a:r>
+          </a:p>
+          <a:p>
+            <a:pPr lvl="1"/>
+            <a:r>
+              <a:rPr lang="it-IT" sz="1600" dirty="0"/>
+              <a:t>c. Cancellazione Evento </a:t>
+            </a:r>
+          </a:p>
+          <a:p>
+            <a:r>
+              <a:rPr lang="it-IT" sz="1800" dirty="0"/>
+              <a:t>5. Gestione dei Clienti </a:t>
+            </a:r>
+          </a:p>
+          <a:p>
+            <a:pPr lvl="1"/>
+            <a:r>
+              <a:rPr lang="it-IT" sz="1600" dirty="0"/>
+              <a:t>a. Visualizzazione dati relativi ad un Cliente </a:t>
+            </a:r>
+          </a:p>
+          <a:p>
+            <a:pPr lvl="1"/>
+            <a:r>
+              <a:rPr lang="it-IT" sz="1600" dirty="0"/>
+              <a:t>b. Cancellazione di un Cliente </a:t>
+            </a:r>
+          </a:p>
+          <a:p>
+            <a:r>
+              <a:rPr lang="it-IT" sz="1800" dirty="0"/>
+              <a:t>6. Generazione Statistiche relative ad uno o più eventi </a:t>
+            </a:r>
+          </a:p>
+          <a:p>
+            <a:r>
+              <a:rPr lang="it-IT" sz="1800" dirty="0"/>
+              <a:t>7. Gestione Addetti </a:t>
+            </a:r>
+          </a:p>
+        </p:txBody>
+      </p:sp>
+    </p:spTree>
+    <p:extLst>
+      <p:ext uri="{BB962C8B-B14F-4D97-AF65-F5344CB8AC3E}">
+        <p14:creationId xmlns:p14="http://schemas.microsoft.com/office/powerpoint/2010/main" val="2302546610"/>
+      </p:ext>
+    </p:extLst>
+  </p:cSld>
+  <p:clrMapOvr>
+    <a:masterClrMapping/>
+  </p:clrMapOvr>
+</p:sld>
+</file>
+
+<file path=ppt/slides/slide20.xml><?xml version="1.0" encoding="utf-8"?>
 <p:sld xmlns:a="http://schemas.openxmlformats.org/drawingml/2006/main" xmlns:r="http://schemas.openxmlformats.org/officeDocument/2006/relationships" xmlns:p="http://schemas.openxmlformats.org/presentationml/2006/main">
   <p:cSld>
     <p:spTree>
@@ -18904,7 +19316,7 @@
 </p:sld>
 </file>
 
-<file path=ppt/slides/slide18.xml><?xml version="1.0" encoding="utf-8"?>
+<file path=ppt/slides/slide21.xml><?xml version="1.0" encoding="utf-8"?>
 <p:sld xmlns:a="http://schemas.openxmlformats.org/drawingml/2006/main" xmlns:r="http://schemas.openxmlformats.org/officeDocument/2006/relationships" xmlns:p="http://schemas.openxmlformats.org/presentationml/2006/main">
   <p:cSld>
     <p:spTree>
@@ -19904,7 +20316,7 @@
 </p:sld>
 </file>
 
-<file path=ppt/slides/slide19.xml><?xml version="1.0" encoding="utf-8"?>
+<file path=ppt/slides/slide22.xml><?xml version="1.0" encoding="utf-8"?>
 <p:sld xmlns:a="http://schemas.openxmlformats.org/drawingml/2006/main" xmlns:r="http://schemas.openxmlformats.org/officeDocument/2006/relationships" xmlns:p="http://schemas.openxmlformats.org/presentationml/2006/main">
   <p:cSld>
     <p:spTree>
@@ -20619,225 +21031,6 @@
 </p:sld>
 </file>
 
-<file path=ppt/slides/slide2.xml><?xml version="1.0" encoding="utf-8"?>
-<p:sld xmlns:a="http://schemas.openxmlformats.org/drawingml/2006/main" xmlns:r="http://schemas.openxmlformats.org/officeDocument/2006/relationships" xmlns:p="http://schemas.openxmlformats.org/presentationml/2006/main">
-  <p:cSld>
-    <p:spTree>
-      <p:nvGrpSpPr>
-        <p:cNvPr id="1" name=""/>
-        <p:cNvGrpSpPr/>
-        <p:nvPr/>
-      </p:nvGrpSpPr>
-      <p:grpSpPr>
-        <a:xfrm>
-          <a:off x="0" y="0"/>
-          <a:ext cx="0" cy="0"/>
-          <a:chOff x="0" y="0"/>
-          <a:chExt cx="0" cy="0"/>
-        </a:xfrm>
-      </p:grpSpPr>
-      <p:sp>
-        <p:nvSpPr>
-          <p:cNvPr id="2" name="Titolo 1">
-            <a:extLst>
-              <a:ext uri="{FF2B5EF4-FFF2-40B4-BE49-F238E27FC236}">
-                <a16:creationId xmlns:a16="http://schemas.microsoft.com/office/drawing/2014/main" id="{58A1403F-9F68-43E8-96E8-E29DBDE7A232}"/>
-              </a:ext>
-            </a:extLst>
-          </p:cNvPr>
-          <p:cNvSpPr>
-            <a:spLocks noGrp="1"/>
-          </p:cNvSpPr>
-          <p:nvPr>
-            <p:ph type="title"/>
-          </p:nvPr>
-        </p:nvSpPr>
-        <p:spPr>
-          <a:xfrm>
-            <a:off x="838200" y="404881"/>
-            <a:ext cx="10515600" cy="390249"/>
-          </a:xfrm>
-        </p:spPr>
-        <p:txBody>
-          <a:bodyPr>
-            <a:normAutofit fontScale="90000"/>
-          </a:bodyPr>
-          <a:lstStyle/>
-          <a:p>
-            <a:pPr algn="ctr"/>
-            <a:r>
-              <a:rPr lang="it-IT" dirty="0"/>
-              <a:t>Descrizione del Progetto</a:t>
-            </a:r>
-          </a:p>
-        </p:txBody>
-      </p:sp>
-      <p:sp>
-        <p:nvSpPr>
-          <p:cNvPr id="3" name="Segnaposto contenuto 2">
-            <a:extLst>
-              <a:ext uri="{FF2B5EF4-FFF2-40B4-BE49-F238E27FC236}">
-                <a16:creationId xmlns:a16="http://schemas.microsoft.com/office/drawing/2014/main" id="{326739A8-C37E-4AC7-8056-415DFB88FE8A}"/>
-              </a:ext>
-            </a:extLst>
-          </p:cNvPr>
-          <p:cNvSpPr>
-            <a:spLocks noGrp="1"/>
-          </p:cNvSpPr>
-          <p:nvPr>
-            <p:ph idx="1"/>
-          </p:nvPr>
-        </p:nvSpPr>
-        <p:spPr>
-          <a:xfrm>
-            <a:off x="838200" y="795131"/>
-            <a:ext cx="10515600" cy="6062870"/>
-          </a:xfrm>
-        </p:spPr>
-        <p:txBody>
-          <a:bodyPr>
-            <a:normAutofit fontScale="85000" lnSpcReduction="10000"/>
-          </a:bodyPr>
-          <a:lstStyle/>
-          <a:p>
-            <a:pPr marL="0" indent="0">
-              <a:buNone/>
-            </a:pPr>
-            <a:r>
-              <a:rPr lang="it-IT" sz="1800" dirty="0"/>
-              <a:t>L’</a:t>
-            </a:r>
-            <a:r>
-              <a:rPr lang="it-IT" sz="1800" i="1" dirty="0"/>
-              <a:t>EM-17 </a:t>
-            </a:r>
-            <a:r>
-              <a:rPr lang="it-IT" sz="1800" dirty="0"/>
-              <a:t>(</a:t>
-            </a:r>
-            <a:r>
-              <a:rPr lang="it-IT" sz="1800" i="1" dirty="0" err="1"/>
-              <a:t>Event</a:t>
-            </a:r>
-            <a:r>
-              <a:rPr lang="it-IT" sz="1800" i="1" dirty="0"/>
-              <a:t> Manager</a:t>
-            </a:r>
-            <a:r>
-              <a:rPr lang="it-IT" sz="1800" dirty="0"/>
-              <a:t>) è un Sistema Informativo complesso e distribuito finalizzato a gestire eventi che coinvolgono una grande partecipazione di pubblico, quali concerti, cinema, teatri, conferenze, etc.. </a:t>
-            </a:r>
-          </a:p>
-          <a:p>
-            <a:pPr marL="0" indent="0">
-              <a:buNone/>
-            </a:pPr>
-            <a:r>
-              <a:rPr lang="it-IT" sz="1800" dirty="0"/>
-              <a:t>Il sistema distribuito presenta una parte di Back-Office per la gestione degli eventi da parte degli amministratori, un Front-End per l’acquisto di un biglietto di un evento da parte di un utente finale, ed un client su dispositivo mobile, utilizzato dai Controllori per verificare la validità degli accessi. </a:t>
-            </a:r>
-          </a:p>
-          <a:p>
-            <a:pPr marL="0" indent="0">
-              <a:buNone/>
-            </a:pPr>
-            <a:r>
-              <a:rPr lang="it-IT" sz="1800" dirty="0"/>
-              <a:t>I principali servizi offerti dal sistema sono 6:</a:t>
-            </a:r>
-          </a:p>
-          <a:p>
-            <a:r>
-              <a:rPr lang="it-IT" sz="1800" dirty="0"/>
-              <a:t>1. Visualizzazione, su un sito web, degli eventi disponibili. </a:t>
-            </a:r>
-          </a:p>
-          <a:p>
-            <a:r>
-              <a:rPr lang="it-IT" sz="1800" dirty="0"/>
-              <a:t>2. Acquisto Biglietto per un evento, dopo la visualizzazione del punto 1. </a:t>
-            </a:r>
-          </a:p>
-          <a:p>
-            <a:r>
-              <a:rPr lang="it-IT" sz="1800" dirty="0"/>
-              <a:t>3. Controllo Accesso all’evento da parte di un addetto alla Security. </a:t>
-            </a:r>
-          </a:p>
-          <a:p>
-            <a:r>
-              <a:rPr lang="it-IT" sz="1800" dirty="0"/>
-              <a:t>4. Gestione degli Eventi </a:t>
-            </a:r>
-          </a:p>
-          <a:p>
-            <a:pPr lvl="1"/>
-            <a:r>
-              <a:rPr lang="it-IT" sz="1600" dirty="0"/>
-              <a:t>a. Inserimento nuovo Evento </a:t>
-            </a:r>
-          </a:p>
-          <a:p>
-            <a:pPr lvl="1"/>
-            <a:r>
-              <a:rPr lang="it-IT" sz="1600" dirty="0"/>
-              <a:t>b. Modifica Evento esistente </a:t>
-            </a:r>
-          </a:p>
-          <a:p>
-            <a:pPr lvl="1"/>
-            <a:r>
-              <a:rPr lang="it-IT" sz="1600" dirty="0"/>
-              <a:t>c. Cancellazione Evento </a:t>
-            </a:r>
-          </a:p>
-          <a:p>
-            <a:r>
-              <a:rPr lang="it-IT" sz="1800" dirty="0"/>
-              <a:t>5. Gestione dei Clienti </a:t>
-            </a:r>
-          </a:p>
-          <a:p>
-            <a:pPr lvl="1"/>
-            <a:r>
-              <a:rPr lang="it-IT" sz="1600" dirty="0"/>
-              <a:t>a. Visualizzazione dati relativi ad un Cliente </a:t>
-            </a:r>
-          </a:p>
-          <a:p>
-            <a:pPr lvl="1"/>
-            <a:r>
-              <a:rPr lang="it-IT" sz="1600" dirty="0"/>
-              <a:t>b. Cancellazione di un Cliente </a:t>
-            </a:r>
-          </a:p>
-          <a:p>
-            <a:r>
-              <a:rPr lang="it-IT" sz="1800" dirty="0"/>
-              <a:t>6. Generazione Statistiche relative ad uno o più eventi </a:t>
-            </a:r>
-          </a:p>
-          <a:p>
-            <a:r>
-              <a:rPr lang="it-IT" sz="1800" dirty="0"/>
-              <a:t>7. Gestione Addetti </a:t>
-            </a:r>
-          </a:p>
-        </p:txBody>
-      </p:sp>
-    </p:spTree>
-    <p:extLst>
-      <p:ext uri="{BB962C8B-B14F-4D97-AF65-F5344CB8AC3E}">
-        <p14:creationId xmlns:p14="http://schemas.microsoft.com/office/powerpoint/2010/main" val="2302546610"/>
-      </p:ext>
-    </p:extLst>
-  </p:cSld>
-  <p:clrMapOvr>
-    <a:masterClrMapping/>
-  </p:clrMapOvr>
-</p:sld>
-</file>
-
 <file path=ppt/slides/slide3.xml><?xml version="1.0" encoding="utf-8"?>
 <p:sld xmlns:a="http://schemas.openxmlformats.org/drawingml/2006/main" xmlns:r="http://schemas.openxmlformats.org/officeDocument/2006/relationships" xmlns:p="http://schemas.openxmlformats.org/presentationml/2006/main">
   <p:cSld>
@@ -21229,6 +21422,20 @@
             <a:r>
               <a:rPr lang="it-IT" dirty="0"/>
               <a:t>;</a:t>
+            </a:r>
+          </a:p>
+          <a:p>
+            <a:r>
+              <a:rPr lang="it-IT" dirty="0" err="1">
+                <a:solidFill>
+                  <a:srgbClr val="FF0000"/>
+                </a:solidFill>
+              </a:rPr>
+              <a:t>JFreechart</a:t>
+            </a:r>
+            <a:r>
+              <a:rPr lang="it-IT" dirty="0"/>
+              <a:t> : libreria Java per i grafici.</a:t>
             </a:r>
           </a:p>
           <a:p>
@@ -22313,7 +22520,7 @@
             </a:pPr>
             <a:r>
               <a:rPr lang="en-US" sz="2000" b="1" dirty="0"/>
-              <a:t>Data Storage.</a:t>
+              <a:t>Access Data Storage.</a:t>
             </a:r>
           </a:p>
           <a:p>
@@ -22470,16 +22677,16 @@
             <a:br>
               <a:rPr lang="it-IT" b="1" dirty="0"/>
             </a:br>
+            <a:r>
+              <a:rPr lang="it-IT" b="1" dirty="0"/>
+              <a:t>e</a:t>
+            </a:r>
             <a:br>
               <a:rPr lang="it-IT" b="1" dirty="0"/>
             </a:br>
             <a:r>
-              <a:rPr lang="it-IT" b="1" dirty="0" err="1"/>
-              <a:t>Design</a:t>
-            </a:r>
-            <a:r>
               <a:rPr lang="it-IT" b="1" dirty="0"/>
-              <a:t> pattern</a:t>
+              <a:t>Design pattern</a:t>
             </a:r>
           </a:p>
         </p:txBody>
@@ -22697,10 +22904,10 @@
       </p:sp>
       <p:pic>
         <p:nvPicPr>
-          <p:cNvPr id="7" name="Immagine 6" descr="Immagine che contiene testo&#10;&#10;Descrizione generata con affidabilità elevata">
+          <p:cNvPr id="8" name="Immagine 7">
             <a:extLst>
               <a:ext uri="{FF2B5EF4-FFF2-40B4-BE49-F238E27FC236}">
-                <a16:creationId xmlns:a16="http://schemas.microsoft.com/office/drawing/2014/main" id="{C01C1FD8-BF07-427B-BC6C-33010ABAB3AA}"/>
+                <a16:creationId xmlns:a16="http://schemas.microsoft.com/office/drawing/2014/main" id="{4AFD71B5-5D85-42E6-8392-C9F919408D67}"/>
               </a:ext>
             </a:extLst>
           </p:cNvPr>
@@ -22723,12 +22930,18 @@
         </p:blipFill>
         <p:spPr>
           <a:xfrm>
-            <a:off x="4401768" y="246353"/>
-            <a:ext cx="7298754" cy="5477859"/>
+            <a:off x="4457700" y="400050"/>
+            <a:ext cx="7158038" cy="5608866"/>
           </a:xfrm>
           <a:prstGeom prst="rect">
             <a:avLst/>
           </a:prstGeom>
+          <a:ln>
+            <a:noFill/>
+          </a:ln>
+          <a:effectLst>
+            <a:softEdge rad="112500"/>
+          </a:effectLst>
         </p:spPr>
       </p:pic>
     </p:spTree>
